--- a/notes/Bakti 21.6.2022 updated - flow+status+noc.pptx
+++ b/notes/Bakti 21.6.2022 updated - flow+status+noc.pptx
@@ -6,6 +6,7 @@
   </p:sldMasterIdLst>
   <p:sldIdLst>
     <p:sldId id="278" r:id="rId2"/>
+    <p:sldId id="279" r:id="rId3"/>
   </p:sldIdLst>
   <p:sldSz cx="12192000" cy="6858000"/>
   <p:notesSz cx="6858000" cy="9144000"/>
@@ -272,7 +273,7 @@
           <a:p>
             <a:fld id="{1ACCAD20-955F-4D20-A234-F11D62C0B19B}" type="datetimeFigureOut">
               <a:rPr lang="en-MY" smtClean="0"/>
-              <a:t>20/6/2022</a:t>
+              <a:t>9/12/2022</a:t>
             </a:fld>
             <a:endParaRPr lang="en-MY"/>
           </a:p>
@@ -472,7 +473,7 @@
           <a:p>
             <a:fld id="{1ACCAD20-955F-4D20-A234-F11D62C0B19B}" type="datetimeFigureOut">
               <a:rPr lang="en-MY" smtClean="0"/>
-              <a:t>20/6/2022</a:t>
+              <a:t>9/12/2022</a:t>
             </a:fld>
             <a:endParaRPr lang="en-MY"/>
           </a:p>
@@ -682,7 +683,7 @@
           <a:p>
             <a:fld id="{1ACCAD20-955F-4D20-A234-F11D62C0B19B}" type="datetimeFigureOut">
               <a:rPr lang="en-MY" smtClean="0"/>
-              <a:t>20/6/2022</a:t>
+              <a:t>9/12/2022</a:t>
             </a:fld>
             <a:endParaRPr lang="en-MY"/>
           </a:p>
@@ -882,7 +883,7 @@
           <a:p>
             <a:fld id="{1ACCAD20-955F-4D20-A234-F11D62C0B19B}" type="datetimeFigureOut">
               <a:rPr lang="en-MY" smtClean="0"/>
-              <a:t>20/6/2022</a:t>
+              <a:t>9/12/2022</a:t>
             </a:fld>
             <a:endParaRPr lang="en-MY"/>
           </a:p>
@@ -1158,7 +1159,7 @@
           <a:p>
             <a:fld id="{1ACCAD20-955F-4D20-A234-F11D62C0B19B}" type="datetimeFigureOut">
               <a:rPr lang="en-MY" smtClean="0"/>
-              <a:t>20/6/2022</a:t>
+              <a:t>9/12/2022</a:t>
             </a:fld>
             <a:endParaRPr lang="en-MY"/>
           </a:p>
@@ -1426,7 +1427,7 @@
           <a:p>
             <a:fld id="{1ACCAD20-955F-4D20-A234-F11D62C0B19B}" type="datetimeFigureOut">
               <a:rPr lang="en-MY" smtClean="0"/>
-              <a:t>20/6/2022</a:t>
+              <a:t>9/12/2022</a:t>
             </a:fld>
             <a:endParaRPr lang="en-MY"/>
           </a:p>
@@ -1841,7 +1842,7 @@
           <a:p>
             <a:fld id="{1ACCAD20-955F-4D20-A234-F11D62C0B19B}" type="datetimeFigureOut">
               <a:rPr lang="en-MY" smtClean="0"/>
-              <a:t>20/6/2022</a:t>
+              <a:t>9/12/2022</a:t>
             </a:fld>
             <a:endParaRPr lang="en-MY"/>
           </a:p>
@@ -1983,7 +1984,7 @@
           <a:p>
             <a:fld id="{1ACCAD20-955F-4D20-A234-F11D62C0B19B}" type="datetimeFigureOut">
               <a:rPr lang="en-MY" smtClean="0"/>
-              <a:t>20/6/2022</a:t>
+              <a:t>9/12/2022</a:t>
             </a:fld>
             <a:endParaRPr lang="en-MY"/>
           </a:p>
@@ -2096,7 +2097,7 @@
           <a:p>
             <a:fld id="{1ACCAD20-955F-4D20-A234-F11D62C0B19B}" type="datetimeFigureOut">
               <a:rPr lang="en-MY" smtClean="0"/>
-              <a:t>20/6/2022</a:t>
+              <a:t>9/12/2022</a:t>
             </a:fld>
             <a:endParaRPr lang="en-MY"/>
           </a:p>
@@ -2409,7 +2410,7 @@
           <a:p>
             <a:fld id="{1ACCAD20-955F-4D20-A234-F11D62C0B19B}" type="datetimeFigureOut">
               <a:rPr lang="en-MY" smtClean="0"/>
-              <a:t>20/6/2022</a:t>
+              <a:t>9/12/2022</a:t>
             </a:fld>
             <a:endParaRPr lang="en-MY"/>
           </a:p>
@@ -2698,7 +2699,7 @@
           <a:p>
             <a:fld id="{1ACCAD20-955F-4D20-A234-F11D62C0B19B}" type="datetimeFigureOut">
               <a:rPr lang="en-MY" smtClean="0"/>
-              <a:t>20/6/2022</a:t>
+              <a:t>9/12/2022</a:t>
             </a:fld>
             <a:endParaRPr lang="en-MY"/>
           </a:p>
@@ -2941,7 +2942,7 @@
           <a:p>
             <a:fld id="{1ACCAD20-955F-4D20-A234-F11D62C0B19B}" type="datetimeFigureOut">
               <a:rPr lang="en-MY" smtClean="0"/>
-              <a:t>20/6/2022</a:t>
+              <a:t>9/12/2022</a:t>
             </a:fld>
             <a:endParaRPr lang="en-MY"/>
           </a:p>
@@ -3505,7 +3506,7 @@
               <a:buAutoNum type="alphaLcParenR"/>
             </a:pPr>
             <a:r>
-              <a:rPr lang="en-US" sz="1200" dirty="0" err="1" smtClean="0">
+              <a:rPr lang="en-US" sz="1200" dirty="0" err="1">
                 <a:solidFill>
                   <a:schemeClr val="accent1">
                     <a:lumMod val="20000"/>
@@ -3516,7 +3517,7 @@
               <a:t>Bahagian</a:t>
             </a:r>
             <a:r>
-              <a:rPr lang="en-US" sz="1200" dirty="0" smtClean="0">
+              <a:rPr lang="en-US" sz="1200" dirty="0">
                 <a:solidFill>
                   <a:schemeClr val="accent1">
                     <a:lumMod val="20000"/>
@@ -3527,7 +3528,7 @@
               <a:t> </a:t>
             </a:r>
             <a:r>
-              <a:rPr lang="en-US" sz="1200" dirty="0" err="1" smtClean="0">
+              <a:rPr lang="en-US" sz="1200" dirty="0" err="1">
                 <a:solidFill>
                   <a:srgbClr val="FF0000"/>
                 </a:solidFill>
@@ -3545,36 +3546,26 @@
               <a:buAutoNum type="alphaLcParenR"/>
             </a:pPr>
             <a:r>
-              <a:rPr lang="en-US" sz="1200" dirty="0" smtClean="0">
+              <a:rPr lang="en-US" sz="1200" dirty="0">
                 <a:solidFill>
                   <a:srgbClr val="FF0000"/>
                 </a:solidFill>
               </a:rPr>
               <a:t>BBP</a:t>
             </a:r>
-            <a:endParaRPr lang="en-US" sz="1200" dirty="0">
-              <a:solidFill>
-                <a:srgbClr val="FF0000"/>
-              </a:solidFill>
-            </a:endParaRPr>
           </a:p>
           <a:p>
             <a:pPr marL="342900" indent="-342900">
               <a:buAutoNum type="alphaLcParenR"/>
             </a:pPr>
             <a:r>
-              <a:rPr lang="en-US" sz="1200" dirty="0" smtClean="0">
+              <a:rPr lang="en-US" sz="1200" dirty="0">
                 <a:solidFill>
                   <a:srgbClr val="FF0000"/>
                 </a:solidFill>
               </a:rPr>
               <a:t>BPN</a:t>
             </a:r>
-            <a:endParaRPr lang="en-US" sz="1200" dirty="0">
-              <a:solidFill>
-                <a:srgbClr val="FF0000"/>
-              </a:solidFill>
-            </a:endParaRPr>
           </a:p>
         </p:txBody>
       </p:sp>
@@ -3725,18 +3716,10 @@
                   <a:srgbClr val="FF0000"/>
                 </a:solidFill>
               </a:rPr>
-              <a:t>K</a:t>
-            </a:r>
-            <a:r>
-              <a:rPr lang="en-MY" sz="1200" dirty="0" err="1" smtClean="0">
-                <a:solidFill>
-                  <a:srgbClr val="FF0000"/>
-                </a:solidFill>
-              </a:rPr>
-              <a:t>unci</a:t>
-            </a:r>
-            <a:r>
-              <a:rPr lang="en-MY" sz="1200" dirty="0" smtClean="0">
+              <a:t>Kunci</a:t>
+            </a:r>
+            <a:r>
+              <a:rPr lang="en-MY" sz="1200" dirty="0">
                 <a:solidFill>
                   <a:srgbClr val="FF0000"/>
                 </a:solidFill>
@@ -3744,7 +3727,7 @@
               <a:t> </a:t>
             </a:r>
             <a:r>
-              <a:rPr lang="en-MY" sz="1200" dirty="0" err="1" smtClean="0">
+              <a:rPr lang="en-MY" sz="1200" dirty="0" err="1">
                 <a:solidFill>
                   <a:srgbClr val="FF0000"/>
                 </a:solidFill>
@@ -3752,7 +3735,7 @@
               <a:t>Masuk</a:t>
             </a:r>
             <a:r>
-              <a:rPr lang="en-MY" sz="1200" dirty="0" smtClean="0">
+              <a:rPr lang="en-MY" sz="1200" dirty="0">
                 <a:solidFill>
                   <a:srgbClr val="FF0000"/>
                 </a:solidFill>
@@ -3760,7 +3743,7 @@
               <a:t> </a:t>
             </a:r>
             <a:r>
-              <a:rPr lang="en-MY" sz="1200" dirty="0" smtClean="0">
+              <a:rPr lang="en-MY" sz="1200" dirty="0">
                 <a:solidFill>
                   <a:schemeClr val="accent1">
                     <a:lumMod val="20000"/>
@@ -3770,14 +3753,6 @@
               </a:rPr>
               <a:t>NOC</a:t>
             </a:r>
-            <a:endParaRPr lang="en-MY" sz="1200" dirty="0">
-              <a:solidFill>
-                <a:schemeClr val="accent1">
-                  <a:lumMod val="20000"/>
-                  <a:lumOff val="80000"/>
-                </a:schemeClr>
-              </a:solidFill>
-            </a:endParaRPr>
           </a:p>
           <a:p>
             <a:pPr marL="273050" indent="-273050">
@@ -3853,7 +3828,7 @@
               <a:t> </a:t>
             </a:r>
             <a:r>
-              <a:rPr lang="en-US" sz="1200" dirty="0" err="1" smtClean="0">
+              <a:rPr lang="en-US" sz="1200" dirty="0" err="1">
                 <a:solidFill>
                   <a:schemeClr val="accent5">
                     <a:lumMod val="50000"/>
@@ -3863,7 +3838,7 @@
               <a:t>Ulasan</a:t>
             </a:r>
             <a:r>
-              <a:rPr lang="en-US" sz="1200" dirty="0" smtClean="0">
+              <a:rPr lang="en-US" sz="1200" dirty="0">
                 <a:solidFill>
                   <a:schemeClr val="accent5">
                     <a:lumMod val="50000"/>
@@ -3873,7 +3848,7 @@
               <a:t> </a:t>
             </a:r>
             <a:r>
-              <a:rPr lang="en-US" sz="1200" dirty="0" err="1" smtClean="0">
+              <a:rPr lang="en-US" sz="1200" dirty="0" err="1">
                 <a:solidFill>
                   <a:srgbClr val="FF0000"/>
                 </a:solidFill>
@@ -3881,7 +3856,7 @@
               <a:t>Bajet</a:t>
             </a:r>
             <a:r>
-              <a:rPr lang="en-US" sz="1200" dirty="0" smtClean="0">
+              <a:rPr lang="en-US" sz="1200" dirty="0">
                 <a:solidFill>
                   <a:srgbClr val="FF0000"/>
                 </a:solidFill>
@@ -3889,7 +3864,7 @@
               <a:t>/</a:t>
             </a:r>
             <a:r>
-              <a:rPr lang="en-US" sz="1200" dirty="0" err="1" smtClean="0">
+              <a:rPr lang="en-US" sz="1200" dirty="0" err="1">
                 <a:solidFill>
                   <a:srgbClr val="FF0000"/>
                 </a:solidFill>
@@ -3897,7 +3872,7 @@
               <a:t>Teknikal</a:t>
             </a:r>
             <a:r>
-              <a:rPr lang="en-US" sz="1200" dirty="0" smtClean="0">
+              <a:rPr lang="en-US" sz="1200" dirty="0">
                 <a:solidFill>
                   <a:srgbClr val="FF0000"/>
                 </a:solidFill>
@@ -3964,20 +3939,13 @@
               </a:rPr>
               <a:t> </a:t>
             </a:r>
-            <a:endParaRPr lang="en-US" sz="1200" dirty="0" smtClean="0">
-              <a:solidFill>
-                <a:schemeClr val="accent5">
-                  <a:lumMod val="50000"/>
-                </a:schemeClr>
-              </a:solidFill>
-            </a:endParaRPr>
           </a:p>
           <a:p>
             <a:pPr marL="273050" indent="-273050">
               <a:buAutoNum type="arabicParenR"/>
             </a:pPr>
             <a:r>
-              <a:rPr lang="en-US" sz="1200" dirty="0" err="1" smtClean="0">
+              <a:rPr lang="en-US" sz="1200" dirty="0" err="1">
                 <a:solidFill>
                   <a:schemeClr val="accent5">
                     <a:lumMod val="50000"/>
@@ -3987,7 +3955,7 @@
               <a:t>Semakan</a:t>
             </a:r>
             <a:r>
-              <a:rPr lang="en-US" sz="1200" dirty="0" smtClean="0">
+              <a:rPr lang="en-US" sz="1200" dirty="0">
                 <a:solidFill>
                   <a:schemeClr val="accent5">
                     <a:lumMod val="50000"/>
@@ -3997,7 +3965,7 @@
               <a:t> </a:t>
             </a:r>
             <a:r>
-              <a:rPr lang="en-US" sz="1200" dirty="0" err="1" smtClean="0">
+              <a:rPr lang="en-US" sz="1200" dirty="0" err="1">
                 <a:solidFill>
                   <a:schemeClr val="accent5">
                     <a:lumMod val="50000"/>
@@ -4059,7 +4027,7 @@
               <a:t>Teknikal</a:t>
             </a:r>
             <a:r>
-              <a:rPr lang="en-US" sz="1200" dirty="0" smtClean="0">
+              <a:rPr lang="en-US" sz="1200" dirty="0">
                 <a:solidFill>
                   <a:schemeClr val="accent5">
                     <a:lumMod val="50000"/>
@@ -4089,7 +4057,7 @@
               <a:t> </a:t>
             </a:r>
             <a:r>
-              <a:rPr lang="en-US" sz="1200" strike="sngStrike" dirty="0" err="1" smtClean="0">
+              <a:rPr lang="en-US" sz="1200" strike="sngStrike" dirty="0" err="1">
                 <a:solidFill>
                   <a:schemeClr val="accent5">
                     <a:lumMod val="50000"/>
@@ -4099,7 +4067,7 @@
               <a:t>Bajet</a:t>
             </a:r>
             <a:r>
-              <a:rPr lang="en-US" sz="1200" strike="sngStrike" dirty="0" smtClean="0">
+              <a:rPr lang="en-US" sz="1200" strike="sngStrike" dirty="0">
                 <a:solidFill>
                   <a:schemeClr val="accent5">
                     <a:lumMod val="50000"/>
@@ -4109,7 +4077,7 @@
               <a:t>/</a:t>
             </a:r>
             <a:r>
-              <a:rPr lang="en-US" sz="1200" strike="sngStrike" dirty="0" err="1" smtClean="0">
+              <a:rPr lang="en-US" sz="1200" strike="sngStrike" dirty="0" err="1">
                 <a:solidFill>
                   <a:schemeClr val="accent5">
                     <a:lumMod val="50000"/>
@@ -4119,7 +4087,7 @@
               <a:t>Nilai</a:t>
             </a:r>
             <a:r>
-              <a:rPr lang="en-US" sz="1200" dirty="0" smtClean="0">
+              <a:rPr lang="en-US" sz="1200" dirty="0">
                 <a:solidFill>
                   <a:schemeClr val="accent5">
                     <a:lumMod val="50000"/>
@@ -4134,7 +4102,7 @@
               <a:buAutoNum type="arabicParenR"/>
             </a:pPr>
             <a:r>
-              <a:rPr lang="en-US" sz="1200" dirty="0" err="1" smtClean="0">
+              <a:rPr lang="en-US" sz="1200" dirty="0" err="1">
                 <a:solidFill>
                   <a:schemeClr val="accent5">
                     <a:lumMod val="50000"/>
@@ -4144,7 +4112,7 @@
               <a:t>Penyediaan</a:t>
             </a:r>
             <a:r>
-              <a:rPr lang="en-US" sz="1200" dirty="0" smtClean="0">
+              <a:rPr lang="en-US" sz="1200" dirty="0">
                 <a:solidFill>
                   <a:schemeClr val="accent5">
                     <a:lumMod val="50000"/>
@@ -4206,7 +4174,7 @@
               <a:t> </a:t>
             </a:r>
             <a:r>
-              <a:rPr lang="en-US" sz="1200" strike="sngStrike" dirty="0" err="1" smtClean="0">
+              <a:rPr lang="en-US" sz="1200" strike="sngStrike" dirty="0" err="1">
                 <a:solidFill>
                   <a:schemeClr val="accent5">
                     <a:lumMod val="50000"/>
@@ -4216,7 +4184,7 @@
               <a:t>oleh</a:t>
             </a:r>
             <a:r>
-              <a:rPr lang="en-US" sz="1200" dirty="0" smtClean="0">
+              <a:rPr lang="en-US" sz="1200" dirty="0">
                 <a:solidFill>
                   <a:schemeClr val="accent5">
                     <a:lumMod val="50000"/>
@@ -4265,20 +4233,13 @@
               </a:rPr>
               <a:t> </a:t>
             </a:r>
-            <a:endParaRPr lang="en-US" sz="1200" dirty="0" smtClean="0">
-              <a:solidFill>
-                <a:schemeClr val="accent5">
-                  <a:lumMod val="50000"/>
-                </a:schemeClr>
-              </a:solidFill>
-            </a:endParaRPr>
           </a:p>
           <a:p>
             <a:pPr marL="273050" indent="-273050">
               <a:buAutoNum type="arabicParenR"/>
             </a:pPr>
             <a:r>
-              <a:rPr lang="en-US" sz="1200" dirty="0" err="1" smtClean="0">
+              <a:rPr lang="en-US" sz="1200" dirty="0" err="1">
                 <a:solidFill>
                   <a:schemeClr val="accent5">
                     <a:lumMod val="50000"/>
@@ -4288,7 +4249,7 @@
               <a:t>Penghantaran</a:t>
             </a:r>
             <a:r>
-              <a:rPr lang="en-US" sz="1200" dirty="0" smtClean="0">
+              <a:rPr lang="en-US" sz="1200" dirty="0">
                 <a:solidFill>
                   <a:schemeClr val="accent5">
                     <a:lumMod val="50000"/>
@@ -4350,7 +4311,7 @@
               <a:t> </a:t>
             </a:r>
             <a:r>
-              <a:rPr lang="en-US" sz="1200" strike="sngStrike" dirty="0" err="1" smtClean="0">
+              <a:rPr lang="en-US" sz="1200" strike="sngStrike" dirty="0" err="1">
                 <a:solidFill>
                   <a:schemeClr val="accent5">
                     <a:lumMod val="50000"/>
@@ -4360,7 +4321,7 @@
               <a:t>oleh</a:t>
             </a:r>
             <a:r>
-              <a:rPr lang="en-US" sz="1200" dirty="0" smtClean="0">
+              <a:rPr lang="en-US" sz="1200" dirty="0">
                 <a:solidFill>
                   <a:schemeClr val="accent5">
                     <a:lumMod val="50000"/>
@@ -4409,20 +4370,13 @@
               </a:rPr>
               <a:t> </a:t>
             </a:r>
-            <a:endParaRPr lang="en-US" sz="1200" dirty="0" smtClean="0">
-              <a:solidFill>
-                <a:schemeClr val="accent5">
-                  <a:lumMod val="50000"/>
-                </a:schemeClr>
-              </a:solidFill>
-            </a:endParaRPr>
           </a:p>
           <a:p>
             <a:pPr marL="273050" indent="-273050">
               <a:buAutoNum type="arabicParenR"/>
             </a:pPr>
             <a:r>
-              <a:rPr lang="en-US" sz="1200" dirty="0" err="1" smtClean="0">
+              <a:rPr lang="en-US" sz="1200" dirty="0" err="1">
                 <a:solidFill>
                   <a:schemeClr val="accent1">
                     <a:lumMod val="20000"/>
@@ -4433,7 +4387,26 @@
               <a:t>Penyediaan</a:t>
             </a:r>
             <a:r>
-              <a:rPr lang="en-US" sz="1200" dirty="0" smtClean="0">
+              <a:rPr lang="en-US" sz="1200" dirty="0">
+                <a:solidFill>
+                  <a:schemeClr val="accent1">
+                    <a:lumMod val="20000"/>
+                    <a:lumOff val="80000"/>
+                  </a:schemeClr>
+                </a:solidFill>
+              </a:rPr>
+              <a:t> Memo </a:t>
+            </a:r>
+            <a:r>
+              <a:rPr lang="en-US" sz="1200" dirty="0" err="1">
+                <a:solidFill>
+                  <a:srgbClr val="FF0000"/>
+                </a:solidFill>
+              </a:rPr>
+              <a:t>Kelulusan</a:t>
+            </a:r>
+            <a:r>
+              <a:rPr lang="en-US" sz="1200" dirty="0">
                 <a:solidFill>
                   <a:schemeClr val="accent1">
                     <a:lumMod val="20000"/>
@@ -4444,37 +4417,7 @@
               <a:t> </a:t>
             </a:r>
             <a:r>
-              <a:rPr lang="en-US" sz="1200" dirty="0">
-                <a:solidFill>
-                  <a:schemeClr val="accent1">
-                    <a:lumMod val="20000"/>
-                    <a:lumOff val="80000"/>
-                  </a:schemeClr>
-                </a:solidFill>
-              </a:rPr>
-              <a:t>Memo </a:t>
-            </a:r>
-            <a:r>
-              <a:rPr lang="en-US" sz="1200" dirty="0" err="1" smtClean="0">
-                <a:solidFill>
-                  <a:srgbClr val="FF0000"/>
-                </a:solidFill>
-              </a:rPr>
-              <a:t>Kelulusan</a:t>
-            </a:r>
-            <a:r>
-              <a:rPr lang="en-US" sz="1200" dirty="0" smtClean="0">
-                <a:solidFill>
-                  <a:schemeClr val="accent1">
-                    <a:lumMod val="20000"/>
-                    <a:lumOff val="80000"/>
-                  </a:schemeClr>
-                </a:solidFill>
-              </a:rPr>
-              <a:t> </a:t>
-            </a:r>
-            <a:r>
-              <a:rPr lang="en-US" sz="1200" strike="sngStrike" dirty="0" err="1" smtClean="0">
+              <a:rPr lang="en-US" sz="1200" strike="sngStrike" dirty="0" err="1">
                 <a:solidFill>
                   <a:schemeClr val="accent1">
                     <a:lumMod val="20000"/>
@@ -4485,7 +4428,7 @@
               <a:t>oleh</a:t>
             </a:r>
             <a:r>
-              <a:rPr lang="en-US" sz="1200" strike="sngStrike" dirty="0" smtClean="0">
+              <a:rPr lang="en-US" sz="1200" strike="sngStrike" dirty="0">
                 <a:solidFill>
                   <a:schemeClr val="accent1">
                     <a:lumMod val="20000"/>
@@ -4621,7 +4564,7 @@
               <a:t> Memo </a:t>
             </a:r>
             <a:r>
-              <a:rPr lang="en-US" sz="1200" dirty="0" err="1" smtClean="0">
+              <a:rPr lang="en-US" sz="1200" dirty="0" err="1">
                 <a:solidFill>
                   <a:schemeClr val="accent1">
                     <a:lumMod val="20000"/>
@@ -4632,7 +4575,7 @@
               <a:t>Kelulusan</a:t>
             </a:r>
             <a:r>
-              <a:rPr lang="en-US" sz="1200" dirty="0" smtClean="0">
+              <a:rPr lang="en-US" sz="1200" dirty="0">
                 <a:solidFill>
                   <a:schemeClr val="accent1">
                     <a:lumMod val="20000"/>
@@ -4643,7 +4586,7 @@
               <a:t> </a:t>
             </a:r>
             <a:r>
-              <a:rPr lang="en-US" sz="1200" dirty="0" err="1" smtClean="0">
+              <a:rPr lang="en-US" sz="1200" dirty="0" err="1">
                 <a:solidFill>
                   <a:srgbClr val="FF0000"/>
                 </a:solidFill>
@@ -4651,7 +4594,7 @@
               <a:t>dari</a:t>
             </a:r>
             <a:r>
-              <a:rPr lang="en-US" sz="1200" dirty="0" smtClean="0">
+              <a:rPr lang="en-US" sz="1200" dirty="0">
                 <a:solidFill>
                   <a:srgbClr val="FF0000"/>
                 </a:solidFill>
@@ -4659,7 +4602,7 @@
               <a:t> </a:t>
             </a:r>
             <a:r>
-              <a:rPr lang="en-US" sz="1200" dirty="0" err="1" smtClean="0">
+              <a:rPr lang="en-US" sz="1200" dirty="0" err="1">
                 <a:solidFill>
                   <a:srgbClr val="FF0000"/>
                 </a:solidFill>
@@ -4667,18 +4610,13 @@
               <a:t>Pejabat</a:t>
             </a:r>
             <a:r>
-              <a:rPr lang="en-US" sz="1200" dirty="0" smtClean="0">
+              <a:rPr lang="en-US" sz="1200" dirty="0">
                 <a:solidFill>
                   <a:srgbClr val="FF0000"/>
                 </a:solidFill>
               </a:rPr>
               <a:t> TKP/KP</a:t>
             </a:r>
-            <a:endParaRPr lang="en-US" sz="1200" dirty="0">
-              <a:solidFill>
-                <a:srgbClr val="FF0000"/>
-              </a:solidFill>
-            </a:endParaRPr>
           </a:p>
           <a:p>
             <a:pPr marL="273050" indent="-273050">
@@ -5026,7 +4964,7 @@
               <a:t> </a:t>
             </a:r>
             <a:r>
-              <a:rPr lang="en-US" sz="1200" dirty="0" err="1" smtClean="0">
+              <a:rPr lang="en-US" sz="1200" dirty="0" err="1">
                 <a:solidFill>
                   <a:srgbClr val="FF0000"/>
                 </a:solidFill>
@@ -5045,7 +4983,7 @@
               <a:buAutoNum type="arabicParenR"/>
             </a:pPr>
             <a:r>
-              <a:rPr lang="en-US" sz="1200" dirty="0" err="1" smtClean="0">
+              <a:rPr lang="en-US" sz="1200" dirty="0" err="1">
                 <a:solidFill>
                   <a:srgbClr val="FF0000"/>
                 </a:solidFill>
@@ -5053,7 +4991,7 @@
               <a:t>Permohonan</a:t>
             </a:r>
             <a:r>
-              <a:rPr lang="en-US" sz="1200" dirty="0" smtClean="0">
+              <a:rPr lang="en-US" sz="1200" dirty="0">
                 <a:solidFill>
                   <a:schemeClr val="accent5">
                     <a:lumMod val="50000"/>
@@ -5063,7 +5001,7 @@
               <a:t> </a:t>
             </a:r>
             <a:r>
-              <a:rPr lang="en-US" sz="1200" dirty="0" err="1" smtClean="0">
+              <a:rPr lang="en-US" sz="1200" dirty="0" err="1">
                 <a:solidFill>
                   <a:schemeClr val="accent5">
                     <a:lumMod val="50000"/>
@@ -5073,7 +5011,7 @@
               <a:t>Ulasan</a:t>
             </a:r>
             <a:r>
-              <a:rPr lang="en-US" sz="1200" dirty="0" smtClean="0">
+              <a:rPr lang="en-US" sz="1200" dirty="0">
                 <a:solidFill>
                   <a:schemeClr val="accent5">
                     <a:lumMod val="50000"/>
@@ -5083,7 +5021,7 @@
               <a:t> </a:t>
             </a:r>
             <a:r>
-              <a:rPr lang="en-US" sz="1200" dirty="0" err="1" smtClean="0">
+              <a:rPr lang="en-US" sz="1200" dirty="0" err="1">
                 <a:solidFill>
                   <a:srgbClr val="FF0000"/>
                 </a:solidFill>
@@ -5091,7 +5029,7 @@
               <a:t>Bajet</a:t>
             </a:r>
             <a:r>
-              <a:rPr lang="en-US" sz="1200" dirty="0" smtClean="0">
+              <a:rPr lang="en-US" sz="1200" dirty="0">
                 <a:solidFill>
                   <a:srgbClr val="FF0000"/>
                 </a:solidFill>
@@ -5099,7 +5037,7 @@
               <a:t>/</a:t>
             </a:r>
             <a:r>
-              <a:rPr lang="en-US" sz="1200" dirty="0" err="1" smtClean="0">
+              <a:rPr lang="en-US" sz="1200" dirty="0" err="1">
                 <a:solidFill>
                   <a:srgbClr val="FF0000"/>
                 </a:solidFill>
@@ -5149,7 +5087,7 @@
               <a:t>2 (</a:t>
             </a:r>
             <a:r>
-              <a:rPr lang="en-US" sz="1200" strike="sngStrike" dirty="0" err="1" smtClean="0">
+              <a:rPr lang="en-US" sz="1200" strike="sngStrike" dirty="0" err="1">
                 <a:solidFill>
                   <a:schemeClr val="accent5">
                     <a:lumMod val="50000"/>
@@ -5159,7 +5097,7 @@
               <a:t>Bajet</a:t>
             </a:r>
             <a:r>
-              <a:rPr lang="en-US" sz="1200" strike="sngStrike" dirty="0" smtClean="0">
+              <a:rPr lang="en-US" sz="1200" strike="sngStrike" dirty="0">
                 <a:solidFill>
                   <a:schemeClr val="accent5">
                     <a:lumMod val="50000"/>
@@ -5169,7 +5107,7 @@
               <a:t>/</a:t>
             </a:r>
             <a:r>
-              <a:rPr lang="en-US" sz="1200" strike="sngStrike" dirty="0" err="1" smtClean="0">
+              <a:rPr lang="en-US" sz="1200" strike="sngStrike" dirty="0" err="1">
                 <a:solidFill>
                   <a:schemeClr val="accent5">
                     <a:lumMod val="50000"/>
@@ -5179,7 +5117,7 @@
               <a:t>Nilai</a:t>
             </a:r>
             <a:r>
-              <a:rPr lang="en-US" sz="1200" strike="sngStrike" dirty="0" smtClean="0">
+              <a:rPr lang="en-US" sz="1200" strike="sngStrike" dirty="0">
                 <a:solidFill>
                   <a:schemeClr val="accent5">
                     <a:lumMod val="50000"/>
@@ -5189,12 +5127,81 @@
               <a:t>) </a:t>
             </a:r>
             <a:r>
-              <a:rPr lang="en-US" sz="1200" dirty="0" smtClean="0">
+              <a:rPr lang="en-US" sz="1200" dirty="0">
                 <a:solidFill>
                   <a:srgbClr val="FF0000"/>
                 </a:solidFill>
               </a:rPr>
               <a:t>BBP/BPN</a:t>
+            </a:r>
+          </a:p>
+          <a:p>
+            <a:pPr marL="273050" indent="-273050">
+              <a:buAutoNum type="arabicParenR"/>
+            </a:pPr>
+            <a:r>
+              <a:rPr lang="en-US" sz="1200" dirty="0" err="1">
+                <a:solidFill>
+                  <a:schemeClr val="accent5">
+                    <a:lumMod val="50000"/>
+                  </a:schemeClr>
+                </a:solidFill>
+              </a:rPr>
+              <a:t>Penyediaan</a:t>
+            </a:r>
+            <a:r>
+              <a:rPr lang="en-US" sz="1200" dirty="0">
+                <a:solidFill>
+                  <a:schemeClr val="accent5">
+                    <a:lumMod val="50000"/>
+                  </a:schemeClr>
+                </a:solidFill>
+              </a:rPr>
+              <a:t> </a:t>
+            </a:r>
+            <a:r>
+              <a:rPr lang="en-US" sz="1200" dirty="0" err="1">
+                <a:solidFill>
+                  <a:schemeClr val="accent5">
+                    <a:lumMod val="50000"/>
+                  </a:schemeClr>
+                </a:solidFill>
+              </a:rPr>
+              <a:t>Ulasan</a:t>
+            </a:r>
+            <a:r>
+              <a:rPr lang="en-US" sz="1200" dirty="0">
+                <a:solidFill>
+                  <a:schemeClr val="accent5">
+                    <a:lumMod val="50000"/>
+                  </a:schemeClr>
+                </a:solidFill>
+              </a:rPr>
+              <a:t> </a:t>
+            </a:r>
+            <a:r>
+              <a:rPr lang="en-US" sz="1200" dirty="0" err="1">
+                <a:solidFill>
+                  <a:srgbClr val="FF0000"/>
+                </a:solidFill>
+              </a:rPr>
+              <a:t>Bajet</a:t>
+            </a:r>
+            <a:r>
+              <a:rPr lang="en-US" sz="1200" dirty="0">
+                <a:solidFill>
+                  <a:srgbClr val="FF0000"/>
+                </a:solidFill>
+              </a:rPr>
+              <a:t>/</a:t>
+            </a:r>
+            <a:r>
+              <a:rPr lang="en-US" sz="1200" dirty="0" err="1">
+                <a:solidFill>
+                  <a:srgbClr val="FF0000"/>
+                </a:solidFill>
+              </a:rPr>
+              <a:t>Teknikal</a:t>
             </a:r>
             <a:endParaRPr lang="en-US" sz="1200" dirty="0">
               <a:solidFill>
@@ -5204,85 +5211,11 @@
           </a:p>
           <a:p>
             <a:pPr marL="273050" indent="-273050">
-              <a:buAutoNum type="arabicParenR"/>
-            </a:pPr>
-            <a:r>
-              <a:rPr lang="en-US" sz="1200" dirty="0" err="1">
-                <a:solidFill>
-                  <a:schemeClr val="accent5">
-                    <a:lumMod val="50000"/>
-                  </a:schemeClr>
-                </a:solidFill>
-              </a:rPr>
-              <a:t>Penyediaan</a:t>
-            </a:r>
-            <a:r>
-              <a:rPr lang="en-US" sz="1200" dirty="0">
-                <a:solidFill>
-                  <a:schemeClr val="accent5">
-                    <a:lumMod val="50000"/>
-                  </a:schemeClr>
-                </a:solidFill>
-              </a:rPr>
-              <a:t> </a:t>
-            </a:r>
-            <a:r>
-              <a:rPr lang="en-US" sz="1200" dirty="0" err="1" smtClean="0">
-                <a:solidFill>
-                  <a:schemeClr val="accent5">
-                    <a:lumMod val="50000"/>
-                  </a:schemeClr>
-                </a:solidFill>
-              </a:rPr>
-              <a:t>Ulasan</a:t>
-            </a:r>
-            <a:r>
-              <a:rPr lang="en-US" sz="1200" dirty="0" smtClean="0">
-                <a:solidFill>
-                  <a:schemeClr val="accent5">
-                    <a:lumMod val="50000"/>
-                  </a:schemeClr>
-                </a:solidFill>
-              </a:rPr>
-              <a:t> </a:t>
-            </a:r>
-            <a:r>
-              <a:rPr lang="en-US" sz="1200" dirty="0" err="1" smtClean="0">
-                <a:solidFill>
-                  <a:srgbClr val="FF0000"/>
-                </a:solidFill>
-              </a:rPr>
-              <a:t>Bajet</a:t>
-            </a:r>
-            <a:r>
-              <a:rPr lang="en-US" sz="1200" dirty="0" smtClean="0">
-                <a:solidFill>
-                  <a:srgbClr val="FF0000"/>
-                </a:solidFill>
-              </a:rPr>
-              <a:t>/</a:t>
-            </a:r>
-            <a:r>
-              <a:rPr lang="en-US" sz="1200" dirty="0" err="1" smtClean="0">
-                <a:solidFill>
-                  <a:srgbClr val="FF0000"/>
-                </a:solidFill>
-              </a:rPr>
-              <a:t>Teknikal</a:t>
-            </a:r>
-            <a:endParaRPr lang="en-US" sz="1200" dirty="0">
-              <a:solidFill>
-                <a:srgbClr val="FF0000"/>
-              </a:solidFill>
-            </a:endParaRPr>
-          </a:p>
-          <a:p>
-            <a:pPr marL="273050" indent="-273050">
               <a:buFontTx/>
               <a:buAutoNum type="arabicParenR"/>
             </a:pPr>
             <a:r>
-              <a:rPr lang="en-US" sz="1200" dirty="0" err="1" smtClean="0">
+              <a:rPr lang="en-US" sz="1200" dirty="0" err="1">
                 <a:solidFill>
                   <a:srgbClr val="FF0000"/>
                 </a:solidFill>
@@ -5290,7 +5223,7 @@
               <a:t>Pengemukaan</a:t>
             </a:r>
             <a:r>
-              <a:rPr lang="en-US" sz="1200" dirty="0" smtClean="0">
+              <a:rPr lang="en-US" sz="1200" dirty="0">
                 <a:solidFill>
                   <a:schemeClr val="accent5">
                     <a:lumMod val="50000"/>
@@ -5300,7 +5233,7 @@
               <a:t> </a:t>
             </a:r>
             <a:r>
-              <a:rPr lang="en-US" sz="1200" dirty="0" err="1" smtClean="0">
+              <a:rPr lang="en-US" sz="1200" dirty="0" err="1">
                 <a:solidFill>
                   <a:schemeClr val="accent5">
                     <a:lumMod val="50000"/>
@@ -5310,7 +5243,7 @@
               <a:t>Ulasan</a:t>
             </a:r>
             <a:r>
-              <a:rPr lang="en-US" sz="1200" dirty="0" smtClean="0">
+              <a:rPr lang="en-US" sz="1200" dirty="0">
                 <a:solidFill>
                   <a:schemeClr val="accent5">
                     <a:lumMod val="50000"/>
@@ -5320,7 +5253,7 @@
               <a:t> </a:t>
             </a:r>
             <a:r>
-              <a:rPr lang="en-US" sz="1200" dirty="0" err="1" smtClean="0">
+              <a:rPr lang="en-US" sz="1200" dirty="0" err="1">
                 <a:solidFill>
                   <a:srgbClr val="FF0000"/>
                 </a:solidFill>
@@ -5328,7 +5261,7 @@
               <a:t>Bajet</a:t>
             </a:r>
             <a:r>
-              <a:rPr lang="en-US" sz="1200" dirty="0" smtClean="0">
+              <a:rPr lang="en-US" sz="1200" dirty="0">
                 <a:solidFill>
                   <a:srgbClr val="FF0000"/>
                 </a:solidFill>
@@ -5336,7 +5269,7 @@
               <a:t>/</a:t>
             </a:r>
             <a:r>
-              <a:rPr lang="en-US" sz="1200" dirty="0" err="1" smtClean="0">
+              <a:rPr lang="en-US" sz="1200" dirty="0" err="1">
                 <a:solidFill>
                   <a:srgbClr val="FF0000"/>
                 </a:solidFill>
@@ -5344,7 +5277,7 @@
               <a:t>Teknikal</a:t>
             </a:r>
             <a:r>
-              <a:rPr lang="en-US" sz="1200" dirty="0" smtClean="0">
+              <a:rPr lang="en-US" sz="1200" dirty="0">
                 <a:solidFill>
                   <a:srgbClr val="FF0000"/>
                 </a:solidFill>
@@ -5352,7 +5285,7 @@
               <a:t> </a:t>
             </a:r>
             <a:r>
-              <a:rPr lang="en-US" sz="1200" strike="sngStrike" dirty="0" err="1" smtClean="0">
+              <a:rPr lang="en-US" sz="1200" strike="sngStrike" dirty="0" err="1">
                 <a:solidFill>
                   <a:schemeClr val="accent5">
                     <a:lumMod val="50000"/>
@@ -5362,7 +5295,7 @@
               <a:t>telah</a:t>
             </a:r>
             <a:r>
-              <a:rPr lang="en-US" sz="1200" strike="sngStrike" dirty="0" smtClean="0">
+              <a:rPr lang="en-US" sz="1200" strike="sngStrike" dirty="0">
                 <a:solidFill>
                   <a:schemeClr val="accent5">
                     <a:lumMod val="50000"/>
@@ -5413,21 +5346,10 @@
                   </a:schemeClr>
                 </a:solidFill>
               </a:rPr>
-              <a:t> </a:t>
-            </a:r>
-            <a:r>
-              <a:rPr lang="en-US" sz="1200" dirty="0" smtClean="0">
-                <a:solidFill>
-                  <a:schemeClr val="accent1">
-                    <a:lumMod val="20000"/>
-                    <a:lumOff val="80000"/>
-                  </a:schemeClr>
-                </a:solidFill>
-              </a:rPr>
-              <a:t>Memo </a:t>
-            </a:r>
-            <a:r>
-              <a:rPr lang="en-US" sz="1200" dirty="0" err="1" smtClean="0">
+              <a:t> Memo </a:t>
+            </a:r>
+            <a:r>
+              <a:rPr lang="en-US" sz="1200" dirty="0" err="1">
                 <a:solidFill>
                   <a:srgbClr val="FF0000"/>
                 </a:solidFill>
@@ -5453,31 +5375,85 @@
               <a:t>Pengemukaan</a:t>
             </a:r>
             <a:r>
-              <a:rPr lang="en-US" sz="1200" dirty="0" smtClean="0">
-                <a:solidFill>
-                  <a:schemeClr val="accent1">
-                    <a:lumMod val="20000"/>
-                    <a:lumOff val="80000"/>
-                  </a:schemeClr>
+              <a:rPr lang="en-US" sz="1200" dirty="0">
+                <a:solidFill>
+                  <a:schemeClr val="accent1">
+                    <a:lumMod val="20000"/>
+                    <a:lumOff val="80000"/>
+                  </a:schemeClr>
+                </a:solidFill>
+              </a:rPr>
+              <a:t> Memo </a:t>
+            </a:r>
+            <a:r>
+              <a:rPr lang="en-US" sz="1200" dirty="0" err="1">
+                <a:solidFill>
+                  <a:srgbClr val="FF0000"/>
+                </a:solidFill>
+              </a:rPr>
+              <a:t>Kelulusan</a:t>
+            </a:r>
+            <a:r>
+              <a:rPr lang="en-US" sz="1200" dirty="0">
+                <a:solidFill>
+                  <a:srgbClr val="FF0000"/>
                 </a:solidFill>
               </a:rPr>
               <a:t> </a:t>
             </a:r>
             <a:r>
-              <a:rPr lang="en-US" sz="1200" dirty="0">
-                <a:solidFill>
-                  <a:schemeClr val="accent1">
-                    <a:lumMod val="20000"/>
-                    <a:lumOff val="80000"/>
-                  </a:schemeClr>
-                </a:solidFill>
-              </a:rPr>
-              <a:t>Memo </a:t>
-            </a:r>
-            <a:r>
-              <a:rPr lang="en-US" sz="1200" dirty="0" err="1">
-                <a:solidFill>
-                  <a:srgbClr val="FF0000"/>
+              <a:rPr lang="en-US" sz="1200" dirty="0" err="1">
+                <a:solidFill>
+                  <a:schemeClr val="accent1">
+                    <a:lumMod val="20000"/>
+                    <a:lumOff val="80000"/>
+                  </a:schemeClr>
+                </a:solidFill>
+              </a:rPr>
+              <a:t>kepada</a:t>
+            </a:r>
+            <a:r>
+              <a:rPr lang="en-US" sz="1200" dirty="0">
+                <a:solidFill>
+                  <a:schemeClr val="accent1">
+                    <a:lumMod val="20000"/>
+                    <a:lumOff val="80000"/>
+                  </a:schemeClr>
+                </a:solidFill>
+              </a:rPr>
+              <a:t> TKP/KP</a:t>
+            </a:r>
+          </a:p>
+          <a:p>
+            <a:pPr marL="273050" indent="-273050">
+              <a:buAutoNum type="arabicParenR"/>
+            </a:pPr>
+            <a:r>
+              <a:rPr lang="en-US" sz="1200" dirty="0" err="1">
+                <a:solidFill>
+                  <a:srgbClr val="FF0000"/>
+                </a:solidFill>
+              </a:rPr>
+              <a:t>Penerimaan</a:t>
+            </a:r>
+            <a:r>
+              <a:rPr lang="en-US" sz="1200" dirty="0">
+                <a:solidFill>
+                  <a:schemeClr val="accent1">
+                    <a:lumMod val="20000"/>
+                    <a:lumOff val="80000"/>
+                  </a:schemeClr>
+                </a:solidFill>
+              </a:rPr>
+              <a:t> Memo </a:t>
+            </a:r>
+            <a:r>
+              <a:rPr lang="en-US" sz="1200" dirty="0" err="1">
+                <a:solidFill>
+                  <a:schemeClr val="accent1">
+                    <a:lumMod val="20000"/>
+                    <a:lumOff val="80000"/>
+                  </a:schemeClr>
                 </a:solidFill>
               </a:rPr>
               <a:t>Kelulusan</a:t>
@@ -5485,32 +5461,120 @@
             <a:r>
               <a:rPr lang="en-US" sz="1200" dirty="0">
                 <a:solidFill>
-                  <a:srgbClr val="FF0000"/>
+                  <a:schemeClr val="accent1">
+                    <a:lumMod val="20000"/>
+                    <a:lumOff val="80000"/>
+                  </a:schemeClr>
                 </a:solidFill>
               </a:rPr>
               <a:t> </a:t>
             </a:r>
             <a:r>
-              <a:rPr lang="en-US" sz="1200" dirty="0" err="1" smtClean="0">
-                <a:solidFill>
-                  <a:schemeClr val="accent1">
-                    <a:lumMod val="20000"/>
-                    <a:lumOff val="80000"/>
-                  </a:schemeClr>
-                </a:solidFill>
-              </a:rPr>
-              <a:t>kepada</a:t>
-            </a:r>
-            <a:r>
-              <a:rPr lang="en-US" sz="1200" dirty="0" smtClean="0">
-                <a:solidFill>
-                  <a:schemeClr val="accent1">
-                    <a:lumMod val="20000"/>
-                    <a:lumOff val="80000"/>
-                  </a:schemeClr>
-                </a:solidFill>
-              </a:rPr>
-              <a:t> TKP/KP</a:t>
+              <a:rPr lang="en-US" sz="1200" strike="sngStrike" dirty="0" err="1">
+                <a:solidFill>
+                  <a:schemeClr val="accent1">
+                    <a:lumMod val="20000"/>
+                    <a:lumOff val="80000"/>
+                  </a:schemeClr>
+                </a:solidFill>
+              </a:rPr>
+              <a:t>Diterima</a:t>
+            </a:r>
+            <a:r>
+              <a:rPr lang="en-US" sz="1200" dirty="0">
+                <a:solidFill>
+                  <a:srgbClr val="FF0000"/>
+                </a:solidFill>
+              </a:rPr>
+              <a:t> di </a:t>
+            </a:r>
+            <a:r>
+              <a:rPr lang="en-US" sz="1200" dirty="0" err="1">
+                <a:solidFill>
+                  <a:srgbClr val="FF0000"/>
+                </a:solidFill>
+              </a:rPr>
+              <a:t>Bahagian</a:t>
+            </a:r>
+            <a:endParaRPr lang="en-US" sz="1200" dirty="0">
+              <a:solidFill>
+                <a:srgbClr val="FF0000"/>
+              </a:solidFill>
+            </a:endParaRPr>
+          </a:p>
+          <a:p>
+            <a:pPr marL="273050" indent="-273050">
+              <a:buAutoNum type="arabicParenR"/>
+            </a:pPr>
+            <a:r>
+              <a:rPr lang="en-US" sz="1200" dirty="0" err="1">
+                <a:solidFill>
+                  <a:schemeClr val="accent1">
+                    <a:lumMod val="20000"/>
+                    <a:lumOff val="80000"/>
+                  </a:schemeClr>
+                </a:solidFill>
+              </a:rPr>
+              <a:t>Penyediaan</a:t>
+            </a:r>
+            <a:r>
+              <a:rPr lang="en-US" sz="1200" dirty="0">
+                <a:solidFill>
+                  <a:schemeClr val="accent1">
+                    <a:lumMod val="20000"/>
+                    <a:lumOff val="80000"/>
+                  </a:schemeClr>
+                </a:solidFill>
+              </a:rPr>
+              <a:t> Surat </a:t>
+            </a:r>
+            <a:r>
+              <a:rPr lang="en-US" sz="1200" dirty="0" err="1">
+                <a:solidFill>
+                  <a:srgbClr val="FF0000"/>
+                </a:solidFill>
+              </a:rPr>
+              <a:t>Kelulusan</a:t>
+            </a:r>
+            <a:endParaRPr lang="en-US" sz="1200" dirty="0">
+              <a:solidFill>
+                <a:srgbClr val="FF0000"/>
+              </a:solidFill>
+            </a:endParaRPr>
+          </a:p>
+          <a:p>
+            <a:pPr marL="273050" indent="-273050">
+              <a:buAutoNum type="arabicParenR"/>
+            </a:pPr>
+            <a:r>
+              <a:rPr lang="en-US" sz="1200" dirty="0" err="1">
+                <a:solidFill>
+                  <a:srgbClr val="FF0000"/>
+                </a:solidFill>
+              </a:rPr>
+              <a:t>Penghantaran</a:t>
+            </a:r>
+            <a:r>
+              <a:rPr lang="en-US" sz="1200" dirty="0">
+                <a:solidFill>
+                  <a:schemeClr val="accent1">
+                    <a:lumMod val="20000"/>
+                    <a:lumOff val="80000"/>
+                  </a:schemeClr>
+                </a:solidFill>
+              </a:rPr>
+              <a:t> Surat </a:t>
+            </a:r>
+            <a:r>
+              <a:rPr lang="en-US" sz="1200" dirty="0" err="1">
+                <a:solidFill>
+                  <a:schemeClr val="accent1">
+                    <a:lumMod val="20000"/>
+                    <a:lumOff val="80000"/>
+                  </a:schemeClr>
+                </a:solidFill>
+              </a:rPr>
+              <a:t>Kelulusan</a:t>
             </a:r>
             <a:endParaRPr lang="en-US" sz="1200" dirty="0">
               <a:solidFill>
@@ -5523,194 +5587,11 @@
           </a:p>
           <a:p>
             <a:pPr marL="273050" indent="-273050">
-              <a:buAutoNum type="arabicParenR"/>
-            </a:pPr>
-            <a:r>
-              <a:rPr lang="en-US" sz="1200" dirty="0" err="1" smtClean="0">
-                <a:solidFill>
-                  <a:srgbClr val="FF0000"/>
-                </a:solidFill>
-              </a:rPr>
-              <a:t>Penerimaan</a:t>
-            </a:r>
-            <a:r>
-              <a:rPr lang="en-US" sz="1200" dirty="0" smtClean="0">
-                <a:solidFill>
-                  <a:schemeClr val="accent1">
-                    <a:lumMod val="20000"/>
-                    <a:lumOff val="80000"/>
-                  </a:schemeClr>
-                </a:solidFill>
-              </a:rPr>
-              <a:t> Memo </a:t>
-            </a:r>
-            <a:r>
-              <a:rPr lang="en-US" sz="1200" dirty="0" err="1">
-                <a:solidFill>
-                  <a:schemeClr val="accent1">
-                    <a:lumMod val="20000"/>
-                    <a:lumOff val="80000"/>
-                  </a:schemeClr>
-                </a:solidFill>
-              </a:rPr>
-              <a:t>Kelulusan</a:t>
-            </a:r>
-            <a:r>
-              <a:rPr lang="en-US" sz="1200" dirty="0">
-                <a:solidFill>
-                  <a:schemeClr val="accent1">
-                    <a:lumMod val="20000"/>
-                    <a:lumOff val="80000"/>
-                  </a:schemeClr>
-                </a:solidFill>
-              </a:rPr>
-              <a:t> </a:t>
-            </a:r>
-            <a:r>
-              <a:rPr lang="en-US" sz="1200" strike="sngStrike" dirty="0" err="1" smtClean="0">
-                <a:solidFill>
-                  <a:schemeClr val="accent1">
-                    <a:lumMod val="20000"/>
-                    <a:lumOff val="80000"/>
-                  </a:schemeClr>
-                </a:solidFill>
-              </a:rPr>
-              <a:t>Diterima</a:t>
-            </a:r>
-            <a:r>
-              <a:rPr lang="en-US" sz="1200" dirty="0" smtClean="0">
-                <a:solidFill>
-                  <a:srgbClr val="FF0000"/>
-                </a:solidFill>
-              </a:rPr>
-              <a:t> di </a:t>
-            </a:r>
-            <a:r>
-              <a:rPr lang="en-US" sz="1200" dirty="0" err="1" smtClean="0">
-                <a:solidFill>
-                  <a:srgbClr val="FF0000"/>
-                </a:solidFill>
-              </a:rPr>
-              <a:t>Bahagian</a:t>
-            </a:r>
-            <a:endParaRPr lang="en-US" sz="1200" dirty="0">
-              <a:solidFill>
-                <a:srgbClr val="FF0000"/>
-              </a:solidFill>
-            </a:endParaRPr>
-          </a:p>
-          <a:p>
-            <a:pPr marL="273050" indent="-273050">
-              <a:buAutoNum type="arabicParenR"/>
-            </a:pPr>
-            <a:r>
-              <a:rPr lang="en-US" sz="1200" dirty="0" err="1">
-                <a:solidFill>
-                  <a:schemeClr val="accent1">
-                    <a:lumMod val="20000"/>
-                    <a:lumOff val="80000"/>
-                  </a:schemeClr>
-                </a:solidFill>
-              </a:rPr>
-              <a:t>Penyediaan</a:t>
-            </a:r>
-            <a:r>
-              <a:rPr lang="en-US" sz="1200" dirty="0">
-                <a:solidFill>
-                  <a:schemeClr val="accent1">
-                    <a:lumMod val="20000"/>
-                    <a:lumOff val="80000"/>
-                  </a:schemeClr>
-                </a:solidFill>
-              </a:rPr>
-              <a:t> </a:t>
-            </a:r>
-            <a:r>
-              <a:rPr lang="en-US" sz="1200" dirty="0" smtClean="0">
-                <a:solidFill>
-                  <a:schemeClr val="accent1">
-                    <a:lumMod val="20000"/>
-                    <a:lumOff val="80000"/>
-                  </a:schemeClr>
-                </a:solidFill>
-              </a:rPr>
-              <a:t>Surat </a:t>
-            </a:r>
-            <a:r>
-              <a:rPr lang="en-US" sz="1200" dirty="0" err="1" smtClean="0">
-                <a:solidFill>
-                  <a:srgbClr val="FF0000"/>
-                </a:solidFill>
-              </a:rPr>
-              <a:t>Kelulusan</a:t>
-            </a:r>
-            <a:endParaRPr lang="en-US" sz="1200" dirty="0">
-              <a:solidFill>
-                <a:srgbClr val="FF0000"/>
-              </a:solidFill>
-            </a:endParaRPr>
-          </a:p>
-          <a:p>
-            <a:pPr marL="273050" indent="-273050">
-              <a:buAutoNum type="arabicParenR"/>
-            </a:pPr>
-            <a:r>
-              <a:rPr lang="en-US" sz="1200" dirty="0" err="1" smtClean="0">
-                <a:solidFill>
-                  <a:srgbClr val="FF0000"/>
-                </a:solidFill>
-              </a:rPr>
-              <a:t>Penghantaran</a:t>
-            </a:r>
-            <a:r>
-              <a:rPr lang="en-US" sz="1200" dirty="0" smtClean="0">
-                <a:solidFill>
-                  <a:schemeClr val="accent1">
-                    <a:lumMod val="20000"/>
-                    <a:lumOff val="80000"/>
-                  </a:schemeClr>
-                </a:solidFill>
-              </a:rPr>
-              <a:t> </a:t>
-            </a:r>
-            <a:r>
-              <a:rPr lang="en-US" sz="1200" dirty="0">
-                <a:solidFill>
-                  <a:schemeClr val="accent1">
-                    <a:lumMod val="20000"/>
-                    <a:lumOff val="80000"/>
-                  </a:schemeClr>
-                </a:solidFill>
-              </a:rPr>
-              <a:t>Surat </a:t>
-            </a:r>
-            <a:r>
-              <a:rPr lang="en-US" sz="1200" dirty="0" err="1">
-                <a:solidFill>
-                  <a:schemeClr val="accent1">
-                    <a:lumMod val="20000"/>
-                    <a:lumOff val="80000"/>
-                  </a:schemeClr>
-                </a:solidFill>
-              </a:rPr>
-              <a:t>Kelulusan</a:t>
-            </a:r>
-            <a:endParaRPr lang="en-US" sz="1200" dirty="0">
-              <a:solidFill>
-                <a:schemeClr val="accent1">
-                  <a:lumMod val="20000"/>
-                  <a:lumOff val="80000"/>
-                </a:schemeClr>
-              </a:solidFill>
-            </a:endParaRPr>
-          </a:p>
-          <a:p>
-            <a:pPr marL="273050" indent="-273050">
               <a:buFontTx/>
               <a:buAutoNum type="arabicParenR"/>
             </a:pPr>
             <a:r>
-              <a:rPr lang="en-US" sz="1200" dirty="0" err="1" smtClean="0">
+              <a:rPr lang="en-US" sz="1200" dirty="0" err="1">
                 <a:solidFill>
                   <a:srgbClr val="FF0000"/>
                 </a:solidFill>
@@ -5718,7 +5599,7 @@
               <a:t>Permohonan</a:t>
             </a:r>
             <a:r>
-              <a:rPr lang="en-US" sz="1200" dirty="0" smtClean="0">
+              <a:rPr lang="en-US" sz="1200" dirty="0">
                 <a:solidFill>
                   <a:schemeClr val="accent1">
                     <a:lumMod val="20000"/>
@@ -5729,7 +5610,7 @@
               <a:t> </a:t>
             </a:r>
             <a:r>
-              <a:rPr lang="en-US" sz="1200" dirty="0" err="1" smtClean="0">
+              <a:rPr lang="en-US" sz="1200" dirty="0" err="1">
                 <a:solidFill>
                   <a:schemeClr val="accent1">
                     <a:lumMod val="20000"/>
@@ -5740,7 +5621,29 @@
               <a:t>Modul</a:t>
             </a:r>
             <a:r>
-              <a:rPr lang="en-US" sz="1200" dirty="0" smtClean="0">
+              <a:rPr lang="en-US" sz="1200" dirty="0">
+                <a:solidFill>
+                  <a:schemeClr val="accent1">
+                    <a:lumMod val="20000"/>
+                    <a:lumOff val="80000"/>
+                  </a:schemeClr>
+                </a:solidFill>
+              </a:rPr>
+              <a:t> NOC </a:t>
+            </a:r>
+            <a:r>
+              <a:rPr lang="en-US" sz="1200" dirty="0" err="1">
+                <a:solidFill>
+                  <a:schemeClr val="accent1">
+                    <a:lumMod val="20000"/>
+                    <a:lumOff val="80000"/>
+                  </a:schemeClr>
+                </a:solidFill>
+              </a:rPr>
+              <a:t>MyProjek</a:t>
+            </a:r>
+            <a:r>
+              <a:rPr lang="en-US" sz="1200" dirty="0">
                 <a:solidFill>
                   <a:schemeClr val="accent1">
                     <a:lumMod val="20000"/>
@@ -5751,56 +5654,23 @@
               <a:t> </a:t>
             </a:r>
             <a:r>
-              <a:rPr lang="en-US" sz="1200" dirty="0">
-                <a:solidFill>
-                  <a:schemeClr val="accent1">
-                    <a:lumMod val="20000"/>
-                    <a:lumOff val="80000"/>
-                  </a:schemeClr>
-                </a:solidFill>
-              </a:rPr>
-              <a:t>NOC </a:t>
-            </a:r>
-            <a:r>
-              <a:rPr lang="en-US" sz="1200" dirty="0" err="1" smtClean="0">
-                <a:solidFill>
-                  <a:schemeClr val="accent1">
-                    <a:lumMod val="20000"/>
-                    <a:lumOff val="80000"/>
-                  </a:schemeClr>
-                </a:solidFill>
-              </a:rPr>
-              <a:t>MyProjek</a:t>
-            </a:r>
-            <a:r>
-              <a:rPr lang="en-US" sz="1200" dirty="0">
-                <a:solidFill>
-                  <a:schemeClr val="accent1">
-                    <a:lumMod val="20000"/>
-                    <a:lumOff val="80000"/>
-                  </a:schemeClr>
+              <a:rPr lang="en-US" sz="1200" dirty="0" err="1">
+                <a:solidFill>
+                  <a:srgbClr val="FF0000"/>
+                </a:solidFill>
+              </a:rPr>
+              <a:t>oleh</a:t>
+            </a:r>
+            <a:r>
+              <a:rPr lang="en-US" sz="1200" dirty="0">
+                <a:solidFill>
+                  <a:srgbClr val="FF0000"/>
                 </a:solidFill>
               </a:rPr>
               <a:t> </a:t>
             </a:r>
             <a:r>
               <a:rPr lang="en-US" sz="1200" dirty="0" err="1">
-                <a:solidFill>
-                  <a:srgbClr val="FF0000"/>
-                </a:solidFill>
-              </a:rPr>
-              <a:t>oleh</a:t>
-            </a:r>
-            <a:r>
-              <a:rPr lang="en-US" sz="1200" dirty="0">
-                <a:solidFill>
-                  <a:srgbClr val="FF0000"/>
-                </a:solidFill>
-              </a:rPr>
-              <a:t> </a:t>
-            </a:r>
-            <a:r>
-              <a:rPr lang="en-US" sz="1200" dirty="0" err="1" smtClean="0">
                 <a:solidFill>
                   <a:srgbClr val="FF0000"/>
                 </a:solidFill>
@@ -5949,7 +5819,7 @@
               <a:t> </a:t>
             </a:r>
             <a:r>
-              <a:rPr lang="en-US" sz="1200" dirty="0" err="1" smtClean="0">
+              <a:rPr lang="en-US" sz="1200" dirty="0" err="1">
                 <a:solidFill>
                   <a:srgbClr val="FF0000"/>
                 </a:solidFill>
@@ -5957,7 +5827,7 @@
               <a:t>Terima</a:t>
             </a:r>
             <a:r>
-              <a:rPr lang="en-US" sz="1200" dirty="0" smtClean="0">
+              <a:rPr lang="en-US" sz="1200" dirty="0">
                 <a:solidFill>
                   <a:schemeClr val="accent1">
                     <a:lumMod val="20000"/>
@@ -5966,6 +5836,391 @@
                 </a:solidFill>
               </a:rPr>
               <a:t> NOC</a:t>
+            </a:r>
+          </a:p>
+          <a:p>
+            <a:pPr marL="273050" indent="-273050">
+              <a:buAutoNum type="arabicParenR"/>
+            </a:pPr>
+            <a:r>
+              <a:rPr lang="en-US" sz="1200" dirty="0" err="1">
+                <a:solidFill>
+                  <a:schemeClr val="accent1">
+                    <a:lumMod val="20000"/>
+                    <a:lumOff val="80000"/>
+                  </a:schemeClr>
+                </a:solidFill>
+              </a:rPr>
+              <a:t>M</a:t>
+            </a:r>
+            <a:r>
+              <a:rPr lang="en-US" sz="1200" strike="sngStrike" dirty="0" err="1">
+                <a:solidFill>
+                  <a:schemeClr val="accent1">
+                    <a:lumMod val="20000"/>
+                    <a:lumOff val="80000"/>
+                  </a:schemeClr>
+                </a:solidFill>
+              </a:rPr>
+              <a:t>enyemak</a:t>
+            </a:r>
+            <a:r>
+              <a:rPr lang="en-US" sz="1200" dirty="0">
+                <a:solidFill>
+                  <a:schemeClr val="accent1">
+                    <a:lumMod val="20000"/>
+                    <a:lumOff val="80000"/>
+                  </a:schemeClr>
+                </a:solidFill>
+              </a:rPr>
+              <a:t> </a:t>
+            </a:r>
+            <a:r>
+              <a:rPr lang="en-US" sz="1200" dirty="0" err="1">
+                <a:solidFill>
+                  <a:srgbClr val="FF0000"/>
+                </a:solidFill>
+              </a:rPr>
+              <a:t>Semak</a:t>
+            </a:r>
+            <a:r>
+              <a:rPr lang="en-US" sz="1200" dirty="0">
+                <a:solidFill>
+                  <a:schemeClr val="accent1">
+                    <a:lumMod val="20000"/>
+                    <a:lumOff val="80000"/>
+                  </a:schemeClr>
+                </a:solidFill>
+              </a:rPr>
+              <a:t> NOC</a:t>
+            </a:r>
+          </a:p>
+          <a:p>
+            <a:pPr marL="273050" indent="-273050">
+              <a:buAutoNum type="arabicParenR"/>
+            </a:pPr>
+            <a:r>
+              <a:rPr lang="en-US" sz="1200" dirty="0" err="1">
+                <a:solidFill>
+                  <a:schemeClr val="accent5">
+                    <a:lumMod val="50000"/>
+                  </a:schemeClr>
+                </a:solidFill>
+              </a:rPr>
+              <a:t>M</a:t>
+            </a:r>
+            <a:r>
+              <a:rPr lang="en-US" sz="1200" strike="sngStrike" dirty="0" err="1">
+                <a:solidFill>
+                  <a:schemeClr val="accent5">
+                    <a:lumMod val="50000"/>
+                  </a:schemeClr>
+                </a:solidFill>
+              </a:rPr>
+              <a:t>emohon</a:t>
+            </a:r>
+            <a:r>
+              <a:rPr lang="en-US" sz="1200" dirty="0">
+                <a:solidFill>
+                  <a:schemeClr val="accent5">
+                    <a:lumMod val="50000"/>
+                  </a:schemeClr>
+                </a:solidFill>
+              </a:rPr>
+              <a:t> </a:t>
+            </a:r>
+            <a:r>
+              <a:rPr lang="en-US" sz="1200" dirty="0" err="1">
+                <a:solidFill>
+                  <a:srgbClr val="FF0000"/>
+                </a:solidFill>
+              </a:rPr>
+              <a:t>Mohon</a:t>
+            </a:r>
+            <a:r>
+              <a:rPr lang="en-US" sz="1200" dirty="0">
+                <a:solidFill>
+                  <a:schemeClr val="accent5">
+                    <a:lumMod val="50000"/>
+                  </a:schemeClr>
+                </a:solidFill>
+              </a:rPr>
+              <a:t> </a:t>
+            </a:r>
+            <a:r>
+              <a:rPr lang="en-US" sz="1200" dirty="0" err="1">
+                <a:solidFill>
+                  <a:schemeClr val="accent5">
+                    <a:lumMod val="50000"/>
+                  </a:schemeClr>
+                </a:solidFill>
+              </a:rPr>
+              <a:t>Ulasan</a:t>
+            </a:r>
+            <a:endParaRPr lang="en-US" sz="1200" dirty="0">
+              <a:solidFill>
+                <a:schemeClr val="accent5">
+                  <a:lumMod val="50000"/>
+                </a:schemeClr>
+              </a:solidFill>
+            </a:endParaRPr>
+          </a:p>
+          <a:p>
+            <a:pPr marL="273050" indent="-273050">
+              <a:buAutoNum type="arabicParenR"/>
+            </a:pPr>
+            <a:r>
+              <a:rPr lang="en-US" sz="1200" dirty="0" err="1">
+                <a:solidFill>
+                  <a:schemeClr val="accent5">
+                    <a:lumMod val="50000"/>
+                  </a:schemeClr>
+                </a:solidFill>
+              </a:rPr>
+              <a:t>M</a:t>
+            </a:r>
+            <a:r>
+              <a:rPr lang="en-US" sz="1200" strike="sngStrike" dirty="0" err="1">
+                <a:solidFill>
+                  <a:schemeClr val="accent5">
+                    <a:lumMod val="50000"/>
+                  </a:schemeClr>
+                </a:solidFill>
+              </a:rPr>
+              <a:t>enyemak</a:t>
+            </a:r>
+            <a:r>
+              <a:rPr lang="en-US" sz="1200" dirty="0">
+                <a:solidFill>
+                  <a:schemeClr val="accent5">
+                    <a:lumMod val="50000"/>
+                  </a:schemeClr>
+                </a:solidFill>
+              </a:rPr>
+              <a:t> </a:t>
+            </a:r>
+            <a:r>
+              <a:rPr lang="en-US" sz="1200" dirty="0" err="1">
+                <a:solidFill>
+                  <a:srgbClr val="FF0000"/>
+                </a:solidFill>
+              </a:rPr>
+              <a:t>Semak</a:t>
+            </a:r>
+            <a:r>
+              <a:rPr lang="en-US" sz="1200" dirty="0">
+                <a:solidFill>
+                  <a:schemeClr val="accent5">
+                    <a:lumMod val="50000"/>
+                  </a:schemeClr>
+                </a:solidFill>
+              </a:rPr>
+              <a:t> </a:t>
+            </a:r>
+            <a:r>
+              <a:rPr lang="en-US" sz="1200" dirty="0" err="1">
+                <a:solidFill>
+                  <a:schemeClr val="accent5">
+                    <a:lumMod val="50000"/>
+                  </a:schemeClr>
+                </a:solidFill>
+              </a:rPr>
+              <a:t>Permohonan</a:t>
+            </a:r>
+            <a:endParaRPr lang="en-US" sz="1200" dirty="0">
+              <a:solidFill>
+                <a:schemeClr val="accent5">
+                  <a:lumMod val="50000"/>
+                </a:schemeClr>
+              </a:solidFill>
+            </a:endParaRPr>
+          </a:p>
+          <a:p>
+            <a:pPr marL="273050" indent="-273050">
+              <a:buAutoNum type="arabicParenR"/>
+            </a:pPr>
+            <a:r>
+              <a:rPr lang="en-US" sz="1200" dirty="0" err="1">
+                <a:solidFill>
+                  <a:schemeClr val="accent5">
+                    <a:lumMod val="50000"/>
+                  </a:schemeClr>
+                </a:solidFill>
+              </a:rPr>
+              <a:t>Sedia</a:t>
+            </a:r>
+            <a:r>
+              <a:rPr lang="en-US" sz="1200" strike="sngStrike" dirty="0" err="1">
+                <a:solidFill>
+                  <a:schemeClr val="accent5">
+                    <a:lumMod val="50000"/>
+                  </a:schemeClr>
+                </a:solidFill>
+              </a:rPr>
+              <a:t>kan</a:t>
+            </a:r>
+            <a:r>
+              <a:rPr lang="en-US" sz="1200" dirty="0">
+                <a:solidFill>
+                  <a:schemeClr val="accent5">
+                    <a:lumMod val="50000"/>
+                  </a:schemeClr>
+                </a:solidFill>
+              </a:rPr>
+              <a:t> </a:t>
+            </a:r>
+            <a:r>
+              <a:rPr lang="en-US" sz="1200" dirty="0" err="1">
+                <a:solidFill>
+                  <a:schemeClr val="accent5">
+                    <a:lumMod val="50000"/>
+                  </a:schemeClr>
+                </a:solidFill>
+              </a:rPr>
+              <a:t>Ulasan</a:t>
+            </a:r>
+            <a:endParaRPr lang="en-US" sz="1200" dirty="0">
+              <a:solidFill>
+                <a:schemeClr val="accent5">
+                  <a:lumMod val="50000"/>
+                </a:schemeClr>
+              </a:solidFill>
+            </a:endParaRPr>
+          </a:p>
+          <a:p>
+            <a:pPr marL="273050" indent="-273050">
+              <a:buAutoNum type="arabicParenR"/>
+            </a:pPr>
+            <a:r>
+              <a:rPr lang="en-US" sz="1200" dirty="0" err="1">
+                <a:solidFill>
+                  <a:schemeClr val="accent5">
+                    <a:lumMod val="50000"/>
+                  </a:schemeClr>
+                </a:solidFill>
+              </a:rPr>
+              <a:t>Hantar</a:t>
+            </a:r>
+            <a:r>
+              <a:rPr lang="en-US" sz="1200" dirty="0">
+                <a:solidFill>
+                  <a:schemeClr val="accent5">
+                    <a:lumMod val="50000"/>
+                  </a:schemeClr>
+                </a:solidFill>
+              </a:rPr>
+              <a:t> </a:t>
+            </a:r>
+            <a:r>
+              <a:rPr lang="en-US" sz="1200" dirty="0" err="1">
+                <a:solidFill>
+                  <a:schemeClr val="accent5">
+                    <a:lumMod val="50000"/>
+                  </a:schemeClr>
+                </a:solidFill>
+              </a:rPr>
+              <a:t>Ulasan</a:t>
+            </a:r>
+            <a:endParaRPr lang="en-US" sz="1200" dirty="0">
+              <a:solidFill>
+                <a:schemeClr val="accent5">
+                  <a:lumMod val="50000"/>
+                </a:schemeClr>
+              </a:solidFill>
+            </a:endParaRPr>
+          </a:p>
+          <a:p>
+            <a:pPr marL="273050" indent="-273050">
+              <a:buAutoNum type="arabicParenR"/>
+            </a:pPr>
+            <a:r>
+              <a:rPr lang="en-US" sz="1200" dirty="0" err="1">
+                <a:solidFill>
+                  <a:schemeClr val="accent1">
+                    <a:lumMod val="20000"/>
+                    <a:lumOff val="80000"/>
+                  </a:schemeClr>
+                </a:solidFill>
+              </a:rPr>
+              <a:t>Sedia</a:t>
+            </a:r>
+            <a:r>
+              <a:rPr lang="en-US" sz="1200" strike="sngStrike" dirty="0" err="1">
+                <a:solidFill>
+                  <a:schemeClr val="accent1">
+                    <a:lumMod val="20000"/>
+                    <a:lumOff val="80000"/>
+                  </a:schemeClr>
+                </a:solidFill>
+              </a:rPr>
+              <a:t>kan</a:t>
+            </a:r>
+            <a:r>
+              <a:rPr lang="en-US" sz="1200" dirty="0">
+                <a:solidFill>
+                  <a:schemeClr val="accent1">
+                    <a:lumMod val="20000"/>
+                    <a:lumOff val="80000"/>
+                  </a:schemeClr>
+                </a:solidFill>
+              </a:rPr>
+              <a:t> Memo </a:t>
+            </a:r>
+            <a:r>
+              <a:rPr lang="en-US" sz="1200" dirty="0" err="1">
+                <a:solidFill>
+                  <a:srgbClr val="FF0000"/>
+                </a:solidFill>
+              </a:rPr>
+              <a:t>Kelulusan</a:t>
+            </a:r>
+            <a:endParaRPr lang="en-US" sz="1200" dirty="0">
+              <a:solidFill>
+                <a:srgbClr val="FF0000"/>
+              </a:solidFill>
+            </a:endParaRPr>
+          </a:p>
+          <a:p>
+            <a:pPr marL="273050" indent="-273050">
+              <a:buAutoNum type="arabicParenR"/>
+            </a:pPr>
+            <a:r>
+              <a:rPr lang="en-US" sz="1200" dirty="0" err="1">
+                <a:solidFill>
+                  <a:schemeClr val="accent1">
+                    <a:lumMod val="20000"/>
+                    <a:lumOff val="80000"/>
+                  </a:schemeClr>
+                </a:solidFill>
+              </a:rPr>
+              <a:t>Hantar</a:t>
+            </a:r>
+            <a:r>
+              <a:rPr lang="en-US" sz="1200" dirty="0">
+                <a:solidFill>
+                  <a:schemeClr val="accent1">
+                    <a:lumMod val="20000"/>
+                    <a:lumOff val="80000"/>
+                  </a:schemeClr>
+                </a:solidFill>
+              </a:rPr>
+              <a:t> Memo</a:t>
+            </a:r>
+            <a:r>
+              <a:rPr lang="en-US" sz="1200" dirty="0">
+                <a:solidFill>
+                  <a:srgbClr val="FF0000"/>
+                </a:solidFill>
+              </a:rPr>
+              <a:t> </a:t>
+            </a:r>
+            <a:r>
+              <a:rPr lang="en-US" sz="1200" dirty="0" err="1">
+                <a:solidFill>
+                  <a:srgbClr val="FF0000"/>
+                </a:solidFill>
+              </a:rPr>
+              <a:t>Kelulusan</a:t>
             </a:r>
             <a:endParaRPr lang="en-US" sz="1200" dirty="0">
               <a:solidFill>
@@ -5989,48 +6244,34 @@
                   </a:schemeClr>
                 </a:solidFill>
               </a:rPr>
-              <a:t>M</a:t>
-            </a:r>
-            <a:r>
-              <a:rPr lang="en-US" sz="1200" strike="sngStrike" dirty="0" err="1">
-                <a:solidFill>
-                  <a:schemeClr val="accent1">
-                    <a:lumMod val="20000"/>
-                    <a:lumOff val="80000"/>
-                  </a:schemeClr>
-                </a:solidFill>
-              </a:rPr>
-              <a:t>enyemak</a:t>
-            </a:r>
-            <a:r>
-              <a:rPr lang="en-US" sz="1200" dirty="0">
-                <a:solidFill>
-                  <a:schemeClr val="accent1">
-                    <a:lumMod val="20000"/>
-                    <a:lumOff val="80000"/>
-                  </a:schemeClr>
+              <a:t>Terima</a:t>
+            </a:r>
+            <a:r>
+              <a:rPr lang="en-US" sz="1200" dirty="0">
+                <a:solidFill>
+                  <a:schemeClr val="accent1">
+                    <a:lumMod val="20000"/>
+                    <a:lumOff val="80000"/>
+                  </a:schemeClr>
+                </a:solidFill>
+              </a:rPr>
+              <a:t> Memo</a:t>
+            </a:r>
+            <a:r>
+              <a:rPr lang="en-US" sz="1200" dirty="0">
+                <a:solidFill>
+                  <a:srgbClr val="FF0000"/>
                 </a:solidFill>
               </a:rPr>
               <a:t> </a:t>
             </a:r>
             <a:r>
-              <a:rPr lang="en-US" sz="1200" dirty="0" err="1" smtClean="0">
-                <a:solidFill>
-                  <a:srgbClr val="FF0000"/>
-                </a:solidFill>
-              </a:rPr>
-              <a:t>Semak</a:t>
-            </a:r>
-            <a:r>
-              <a:rPr lang="en-US" sz="1200" dirty="0" smtClean="0">
-                <a:solidFill>
-                  <a:schemeClr val="accent1">
-                    <a:lumMod val="20000"/>
-                    <a:lumOff val="80000"/>
-                  </a:schemeClr>
-                </a:solidFill>
-              </a:rPr>
-              <a:t> NOC</a:t>
+              <a:rPr lang="en-US" sz="1200" dirty="0" err="1">
+                <a:solidFill>
+                  <a:srgbClr val="FF0000"/>
+                </a:solidFill>
+              </a:rPr>
+              <a:t>Kelulusan</a:t>
             </a:r>
             <a:endParaRPr lang="en-US" sz="1200" dirty="0">
               <a:solidFill>
@@ -6048,158 +6289,20 @@
             <a:r>
               <a:rPr lang="en-US" sz="1200" dirty="0" err="1">
                 <a:solidFill>
-                  <a:schemeClr val="accent5">
-                    <a:lumMod val="50000"/>
-                  </a:schemeClr>
-                </a:solidFill>
-              </a:rPr>
-              <a:t>M</a:t>
+                  <a:schemeClr val="accent1">
+                    <a:lumMod val="20000"/>
+                    <a:lumOff val="80000"/>
+                  </a:schemeClr>
+                </a:solidFill>
+              </a:rPr>
+              <a:t>Sedia</a:t>
             </a:r>
             <a:r>
               <a:rPr lang="en-US" sz="1200" strike="sngStrike" dirty="0" err="1">
                 <a:solidFill>
-                  <a:schemeClr val="accent5">
-                    <a:lumMod val="50000"/>
-                  </a:schemeClr>
-                </a:solidFill>
-              </a:rPr>
-              <a:t>emohon</a:t>
-            </a:r>
-            <a:r>
-              <a:rPr lang="en-US" sz="1200" dirty="0">
-                <a:solidFill>
-                  <a:schemeClr val="accent5">
-                    <a:lumMod val="50000"/>
-                  </a:schemeClr>
-                </a:solidFill>
-              </a:rPr>
-              <a:t> </a:t>
-            </a:r>
-            <a:r>
-              <a:rPr lang="en-US" sz="1200" dirty="0" err="1" smtClean="0">
-                <a:solidFill>
-                  <a:srgbClr val="FF0000"/>
-                </a:solidFill>
-              </a:rPr>
-              <a:t>Mohon</a:t>
-            </a:r>
-            <a:r>
-              <a:rPr lang="en-US" sz="1200" dirty="0" smtClean="0">
-                <a:solidFill>
-                  <a:schemeClr val="accent5">
-                    <a:lumMod val="50000"/>
-                  </a:schemeClr>
-                </a:solidFill>
-              </a:rPr>
-              <a:t> </a:t>
-            </a:r>
-            <a:r>
-              <a:rPr lang="en-US" sz="1200" dirty="0" err="1" smtClean="0">
-                <a:solidFill>
-                  <a:schemeClr val="accent5">
-                    <a:lumMod val="50000"/>
-                  </a:schemeClr>
-                </a:solidFill>
-              </a:rPr>
-              <a:t>Ulasan</a:t>
-            </a:r>
-            <a:endParaRPr lang="en-US" sz="1200" dirty="0">
-              <a:solidFill>
-                <a:schemeClr val="accent5">
-                  <a:lumMod val="50000"/>
-                </a:schemeClr>
-              </a:solidFill>
-            </a:endParaRPr>
-          </a:p>
-          <a:p>
-            <a:pPr marL="273050" indent="-273050">
-              <a:buAutoNum type="arabicParenR"/>
-            </a:pPr>
-            <a:r>
-              <a:rPr lang="en-US" sz="1200" dirty="0" err="1">
-                <a:solidFill>
-                  <a:schemeClr val="accent5">
-                    <a:lumMod val="50000"/>
-                  </a:schemeClr>
-                </a:solidFill>
-              </a:rPr>
-              <a:t>M</a:t>
-            </a:r>
-            <a:r>
-              <a:rPr lang="en-US" sz="1200" strike="sngStrike" dirty="0" err="1">
-                <a:solidFill>
-                  <a:schemeClr val="accent5">
-                    <a:lumMod val="50000"/>
-                  </a:schemeClr>
-                </a:solidFill>
-              </a:rPr>
-              <a:t>enyemak</a:t>
-            </a:r>
-            <a:r>
-              <a:rPr lang="en-US" sz="1200" dirty="0">
-                <a:solidFill>
-                  <a:schemeClr val="accent5">
-                    <a:lumMod val="50000"/>
-                  </a:schemeClr>
-                </a:solidFill>
-              </a:rPr>
-              <a:t> </a:t>
-            </a:r>
-            <a:r>
-              <a:rPr lang="en-US" sz="1200" dirty="0" err="1" smtClean="0">
-                <a:solidFill>
-                  <a:srgbClr val="FF0000"/>
-                </a:solidFill>
-              </a:rPr>
-              <a:t>Semak</a:t>
-            </a:r>
-            <a:r>
-              <a:rPr lang="en-US" sz="1200" dirty="0" smtClean="0">
-                <a:solidFill>
-                  <a:schemeClr val="accent5">
-                    <a:lumMod val="50000"/>
-                  </a:schemeClr>
-                </a:solidFill>
-              </a:rPr>
-              <a:t> </a:t>
-            </a:r>
-            <a:r>
-              <a:rPr lang="en-US" sz="1200" dirty="0" err="1" smtClean="0">
-                <a:solidFill>
-                  <a:schemeClr val="accent5">
-                    <a:lumMod val="50000"/>
-                  </a:schemeClr>
-                </a:solidFill>
-              </a:rPr>
-              <a:t>Permohonan</a:t>
-            </a:r>
-            <a:endParaRPr lang="en-US" sz="1200" dirty="0">
-              <a:solidFill>
-                <a:schemeClr val="accent5">
-                  <a:lumMod val="50000"/>
-                </a:schemeClr>
-              </a:solidFill>
-            </a:endParaRPr>
-          </a:p>
-          <a:p>
-            <a:pPr marL="273050" indent="-273050">
-              <a:buAutoNum type="arabicParenR"/>
-            </a:pPr>
-            <a:r>
-              <a:rPr lang="en-US" sz="1200" dirty="0" err="1">
-                <a:solidFill>
-                  <a:schemeClr val="accent5">
-                    <a:lumMod val="50000"/>
-                  </a:schemeClr>
-                </a:solidFill>
-              </a:rPr>
-              <a:t>Sedia</a:t>
-            </a:r>
-            <a:r>
-              <a:rPr lang="en-US" sz="1200" strike="sngStrike" dirty="0" err="1">
-                <a:solidFill>
-                  <a:schemeClr val="accent5">
-                    <a:lumMod val="50000"/>
+                  <a:schemeClr val="accent1">
+                    <a:lumMod val="20000"/>
+                    <a:lumOff val="80000"/>
                   </a:schemeClr>
                 </a:solidFill>
               </a:rPr>
@@ -6208,179 +6311,13 @@
             <a:r>
               <a:rPr lang="en-US" sz="1200" dirty="0">
                 <a:solidFill>
-                  <a:schemeClr val="accent5">
-                    <a:lumMod val="50000"/>
-                  </a:schemeClr>
-                </a:solidFill>
-              </a:rPr>
-              <a:t> </a:t>
-            </a:r>
-            <a:r>
-              <a:rPr lang="en-US" sz="1200" dirty="0" err="1">
-                <a:solidFill>
-                  <a:schemeClr val="accent5">
-                    <a:lumMod val="50000"/>
-                  </a:schemeClr>
-                </a:solidFill>
-              </a:rPr>
-              <a:t>Ulasan</a:t>
-            </a:r>
-            <a:endParaRPr lang="en-US" sz="1200" dirty="0">
-              <a:solidFill>
-                <a:schemeClr val="accent5">
-                  <a:lumMod val="50000"/>
-                </a:schemeClr>
-              </a:solidFill>
-            </a:endParaRPr>
-          </a:p>
-          <a:p>
-            <a:pPr marL="273050" indent="-273050">
-              <a:buAutoNum type="arabicParenR"/>
-            </a:pPr>
-            <a:r>
-              <a:rPr lang="en-US" sz="1200" dirty="0" err="1">
-                <a:solidFill>
-                  <a:schemeClr val="accent5">
-                    <a:lumMod val="50000"/>
-                  </a:schemeClr>
-                </a:solidFill>
-              </a:rPr>
-              <a:t>Hantar</a:t>
-            </a:r>
-            <a:r>
-              <a:rPr lang="en-US" sz="1200" dirty="0">
-                <a:solidFill>
-                  <a:schemeClr val="accent5">
-                    <a:lumMod val="50000"/>
-                  </a:schemeClr>
-                </a:solidFill>
-              </a:rPr>
-              <a:t> </a:t>
-            </a:r>
-            <a:r>
-              <a:rPr lang="en-US" sz="1200" dirty="0" err="1">
-                <a:solidFill>
-                  <a:schemeClr val="accent5">
-                    <a:lumMod val="50000"/>
-                  </a:schemeClr>
-                </a:solidFill>
-              </a:rPr>
-              <a:t>Ulasan</a:t>
-            </a:r>
-            <a:endParaRPr lang="en-US" sz="1200" dirty="0">
-              <a:solidFill>
-                <a:schemeClr val="accent5">
-                  <a:lumMod val="50000"/>
-                </a:schemeClr>
-              </a:solidFill>
-            </a:endParaRPr>
-          </a:p>
-          <a:p>
-            <a:pPr marL="273050" indent="-273050">
-              <a:buAutoNum type="arabicParenR"/>
-            </a:pPr>
-            <a:r>
-              <a:rPr lang="en-US" sz="1200" dirty="0" err="1">
-                <a:solidFill>
-                  <a:schemeClr val="accent1">
-                    <a:lumMod val="20000"/>
-                    <a:lumOff val="80000"/>
-                  </a:schemeClr>
-                </a:solidFill>
-              </a:rPr>
-              <a:t>Sedia</a:t>
-            </a:r>
-            <a:r>
-              <a:rPr lang="en-US" sz="1200" strike="sngStrike" dirty="0" err="1">
-                <a:solidFill>
-                  <a:schemeClr val="accent1">
-                    <a:lumMod val="20000"/>
-                    <a:lumOff val="80000"/>
-                  </a:schemeClr>
-                </a:solidFill>
-              </a:rPr>
-              <a:t>kan</a:t>
-            </a:r>
-            <a:r>
-              <a:rPr lang="en-US" sz="1200" dirty="0">
-                <a:solidFill>
-                  <a:schemeClr val="accent1">
-                    <a:lumMod val="20000"/>
-                    <a:lumOff val="80000"/>
-                  </a:schemeClr>
-                </a:solidFill>
-              </a:rPr>
-              <a:t> </a:t>
-            </a:r>
-            <a:r>
-              <a:rPr lang="en-US" sz="1200" dirty="0" smtClean="0">
-                <a:solidFill>
-                  <a:schemeClr val="accent1">
-                    <a:lumMod val="20000"/>
-                    <a:lumOff val="80000"/>
-                  </a:schemeClr>
-                </a:solidFill>
-              </a:rPr>
-              <a:t>Memo </a:t>
-            </a:r>
-            <a:r>
-              <a:rPr lang="en-US" sz="1200" dirty="0" err="1" smtClean="0">
-                <a:solidFill>
-                  <a:srgbClr val="FF0000"/>
-                </a:solidFill>
-              </a:rPr>
-              <a:t>Kelulusan</a:t>
-            </a:r>
-            <a:endParaRPr lang="en-US" sz="1200" dirty="0">
-              <a:solidFill>
-                <a:srgbClr val="FF0000"/>
-              </a:solidFill>
-            </a:endParaRPr>
-          </a:p>
-          <a:p>
-            <a:pPr marL="273050" indent="-273050">
-              <a:buAutoNum type="arabicParenR"/>
-            </a:pPr>
-            <a:r>
-              <a:rPr lang="en-US" sz="1200" dirty="0" err="1">
-                <a:solidFill>
-                  <a:schemeClr val="accent1">
-                    <a:lumMod val="20000"/>
-                    <a:lumOff val="80000"/>
-                  </a:schemeClr>
-                </a:solidFill>
-              </a:rPr>
-              <a:t>Hantar</a:t>
-            </a:r>
-            <a:r>
-              <a:rPr lang="en-US" sz="1200" dirty="0">
-                <a:solidFill>
-                  <a:schemeClr val="accent1">
-                    <a:lumMod val="20000"/>
-                    <a:lumOff val="80000"/>
-                  </a:schemeClr>
-                </a:solidFill>
-              </a:rPr>
-              <a:t> </a:t>
-            </a:r>
-            <a:r>
-              <a:rPr lang="en-US" sz="1200" dirty="0" smtClean="0">
-                <a:solidFill>
-                  <a:schemeClr val="accent1">
-                    <a:lumMod val="20000"/>
-                    <a:lumOff val="80000"/>
-                  </a:schemeClr>
-                </a:solidFill>
-              </a:rPr>
-              <a:t>Memo</a:t>
-            </a:r>
-            <a:r>
-              <a:rPr lang="en-US" sz="1200" dirty="0">
-                <a:solidFill>
-                  <a:srgbClr val="FF0000"/>
-                </a:solidFill>
-              </a:rPr>
-              <a:t> </a:t>
+                  <a:schemeClr val="accent1">
+                    <a:lumMod val="20000"/>
+                    <a:lumOff val="80000"/>
+                  </a:schemeClr>
+                </a:solidFill>
+              </a:rPr>
+              <a:t> Surat </a:t>
             </a:r>
             <a:r>
               <a:rPr lang="en-US" sz="1200" dirty="0" err="1">
@@ -6412,29 +6349,18 @@
                   </a:schemeClr>
                 </a:solidFill>
               </a:rPr>
-              <a:t>Terima</a:t>
-            </a:r>
-            <a:r>
-              <a:rPr lang="en-US" sz="1200" dirty="0">
-                <a:solidFill>
-                  <a:schemeClr val="accent1">
-                    <a:lumMod val="20000"/>
-                    <a:lumOff val="80000"/>
-                  </a:schemeClr>
-                </a:solidFill>
-              </a:rPr>
-              <a:t> </a:t>
-            </a:r>
-            <a:r>
-              <a:rPr lang="en-US" sz="1200" dirty="0" smtClean="0">
-                <a:solidFill>
-                  <a:schemeClr val="accent1">
-                    <a:lumMod val="20000"/>
-                    <a:lumOff val="80000"/>
-                  </a:schemeClr>
-                </a:solidFill>
-              </a:rPr>
-              <a:t>Memo</a:t>
+              <a:t>Hantar</a:t>
+            </a:r>
+            <a:r>
+              <a:rPr lang="en-US" sz="1200" dirty="0">
+                <a:solidFill>
+                  <a:schemeClr val="accent1">
+                    <a:lumMod val="20000"/>
+                    <a:lumOff val="80000"/>
+                  </a:schemeClr>
+                </a:solidFill>
+              </a:rPr>
+              <a:t> Surat</a:t>
             </a:r>
             <a:r>
               <a:rPr lang="en-US" sz="1200" dirty="0">
@@ -6474,18 +6400,7 @@
                   </a:schemeClr>
                 </a:solidFill>
               </a:rPr>
-              <a:t>Sedia</a:t>
-            </a:r>
-            <a:r>
-              <a:rPr lang="en-US" sz="1200" strike="sngStrike" dirty="0" err="1">
-                <a:solidFill>
-                  <a:schemeClr val="accent1">
-                    <a:lumMod val="20000"/>
-                    <a:lumOff val="80000"/>
-                  </a:schemeClr>
-                </a:solidFill>
-              </a:rPr>
-              <a:t>kan</a:t>
+              <a:t>Mohon</a:t>
             </a:r>
             <a:r>
               <a:rPr lang="en-US" sz="1200" dirty="0">
@@ -6499,123 +6414,7 @@
               <a:t> </a:t>
             </a:r>
             <a:r>
-              <a:rPr lang="en-US" sz="1200" dirty="0" smtClean="0">
-                <a:solidFill>
-                  <a:schemeClr val="accent1">
-                    <a:lumMod val="20000"/>
-                    <a:lumOff val="80000"/>
-                  </a:schemeClr>
-                </a:solidFill>
-              </a:rPr>
-              <a:t>Surat </a:t>
-            </a:r>
-            <a:r>
-              <a:rPr lang="en-US" sz="1200" dirty="0" err="1">
-                <a:solidFill>
-                  <a:srgbClr val="FF0000"/>
-                </a:solidFill>
-              </a:rPr>
-              <a:t>Kelulusan</a:t>
-            </a:r>
-            <a:endParaRPr lang="en-US" sz="1200" dirty="0">
-              <a:solidFill>
-                <a:schemeClr val="accent1">
-                  <a:lumMod val="20000"/>
-                  <a:lumOff val="80000"/>
-                </a:schemeClr>
-              </a:solidFill>
-            </a:endParaRPr>
-          </a:p>
-          <a:p>
-            <a:pPr marL="273050" indent="-273050">
-              <a:buAutoNum type="arabicParenR"/>
-            </a:pPr>
-            <a:r>
-              <a:rPr lang="en-US" sz="1200" dirty="0" err="1">
-                <a:solidFill>
-                  <a:schemeClr val="accent1">
-                    <a:lumMod val="20000"/>
-                    <a:lumOff val="80000"/>
-                  </a:schemeClr>
-                </a:solidFill>
-              </a:rPr>
-              <a:t>Hantar</a:t>
-            </a:r>
-            <a:r>
-              <a:rPr lang="en-US" sz="1200" dirty="0">
-                <a:solidFill>
-                  <a:schemeClr val="accent1">
-                    <a:lumMod val="20000"/>
-                    <a:lumOff val="80000"/>
-                  </a:schemeClr>
-                </a:solidFill>
-              </a:rPr>
-              <a:t> </a:t>
-            </a:r>
-            <a:r>
-              <a:rPr lang="en-US" sz="1200" dirty="0" smtClean="0">
-                <a:solidFill>
-                  <a:schemeClr val="accent1">
-                    <a:lumMod val="20000"/>
-                    <a:lumOff val="80000"/>
-                  </a:schemeClr>
-                </a:solidFill>
-              </a:rPr>
-              <a:t>Surat</a:t>
-            </a:r>
-            <a:r>
-              <a:rPr lang="en-US" sz="1200" dirty="0">
-                <a:solidFill>
-                  <a:srgbClr val="FF0000"/>
-                </a:solidFill>
-              </a:rPr>
-              <a:t> </a:t>
-            </a:r>
-            <a:r>
-              <a:rPr lang="en-US" sz="1200" dirty="0" err="1">
-                <a:solidFill>
-                  <a:srgbClr val="FF0000"/>
-                </a:solidFill>
-              </a:rPr>
-              <a:t>Kelulusan</a:t>
-            </a:r>
-            <a:endParaRPr lang="en-US" sz="1200" dirty="0">
-              <a:solidFill>
-                <a:schemeClr val="accent1">
-                  <a:lumMod val="20000"/>
-                  <a:lumOff val="80000"/>
-                </a:schemeClr>
-              </a:solidFill>
-            </a:endParaRPr>
-          </a:p>
-          <a:p>
-            <a:pPr marL="273050" indent="-273050">
-              <a:buAutoNum type="arabicParenR"/>
-            </a:pPr>
-            <a:r>
-              <a:rPr lang="en-US" sz="1200" dirty="0" err="1">
-                <a:solidFill>
-                  <a:schemeClr val="accent1">
-                    <a:lumMod val="20000"/>
-                    <a:lumOff val="80000"/>
-                  </a:schemeClr>
-                </a:solidFill>
-              </a:rPr>
-              <a:t>Mohon</a:t>
-            </a:r>
-            <a:r>
-              <a:rPr lang="en-US" sz="1200" dirty="0">
-                <a:solidFill>
-                  <a:schemeClr val="accent1">
-                    <a:lumMod val="20000"/>
-                    <a:lumOff val="80000"/>
-                  </a:schemeClr>
-                </a:solidFill>
-              </a:rPr>
-              <a:t> </a:t>
-            </a:r>
-            <a:r>
-              <a:rPr lang="en-US" sz="1200" dirty="0" err="1" smtClean="0">
+              <a:rPr lang="en-US" sz="1200" dirty="0" err="1">
                 <a:solidFill>
                   <a:schemeClr val="accent1">
                     <a:lumMod val="20000"/>
@@ -6626,7 +6425,7 @@
               <a:t>Modul</a:t>
             </a:r>
             <a:r>
-              <a:rPr lang="en-US" sz="1200" dirty="0" smtClean="0">
+              <a:rPr lang="en-US" sz="1200" dirty="0">
                 <a:solidFill>
                   <a:schemeClr val="accent1">
                     <a:lumMod val="20000"/>
@@ -6637,7 +6436,7 @@
               <a:t> NOC </a:t>
             </a:r>
             <a:r>
-              <a:rPr lang="en-US" sz="1200" dirty="0" err="1" smtClean="0">
+              <a:rPr lang="en-US" sz="1200" dirty="0" err="1">
                 <a:solidFill>
                   <a:srgbClr val="FF0000"/>
                 </a:solidFill>
@@ -6901,7 +6700,7 @@
               <a:buAutoNum type="arabicParenR"/>
             </a:pPr>
             <a:r>
-              <a:rPr lang="en-US" sz="1200" dirty="0" err="1" smtClean="0">
+              <a:rPr lang="en-US" sz="1200" dirty="0" err="1">
                 <a:solidFill>
                   <a:schemeClr val="accent1">
                     <a:lumMod val="20000"/>
@@ -6912,26 +6711,15 @@
               <a:t>Penyediaan</a:t>
             </a:r>
             <a:r>
-              <a:rPr lang="en-US" sz="1200" dirty="0" smtClean="0">
-                <a:solidFill>
-                  <a:schemeClr val="accent1">
-                    <a:lumMod val="20000"/>
-                    <a:lumOff val="80000"/>
-                  </a:schemeClr>
-                </a:solidFill>
-              </a:rPr>
-              <a:t> </a:t>
-            </a:r>
-            <a:r>
-              <a:rPr lang="en-US" sz="1200" dirty="0">
-                <a:solidFill>
-                  <a:schemeClr val="accent1">
-                    <a:lumMod val="20000"/>
-                    <a:lumOff val="80000"/>
-                  </a:schemeClr>
-                </a:solidFill>
-              </a:rPr>
-              <a:t>Memo </a:t>
+              <a:rPr lang="en-US" sz="1200" dirty="0">
+                <a:solidFill>
+                  <a:schemeClr val="accent1">
+                    <a:lumMod val="20000"/>
+                    <a:lumOff val="80000"/>
+                  </a:schemeClr>
+                </a:solidFill>
+              </a:rPr>
+              <a:t> Memo </a:t>
             </a:r>
             <a:r>
               <a:rPr lang="en-US" sz="1200" dirty="0" err="1">
@@ -7624,7 +7412,7 @@
               <a:buAutoNum type="arabicParenR"/>
             </a:pPr>
             <a:r>
-              <a:rPr lang="en-US" sz="1200" dirty="0" err="1" smtClean="0">
+              <a:rPr lang="en-US" sz="1200" dirty="0" err="1">
                 <a:solidFill>
                   <a:schemeClr val="accent1">
                     <a:lumMod val="20000"/>
@@ -7635,26 +7423,15 @@
               <a:t>Penyediaan</a:t>
             </a:r>
             <a:r>
-              <a:rPr lang="en-US" sz="1200" dirty="0" smtClean="0">
-                <a:solidFill>
-                  <a:schemeClr val="accent1">
-                    <a:lumMod val="20000"/>
-                    <a:lumOff val="80000"/>
-                  </a:schemeClr>
-                </a:solidFill>
-              </a:rPr>
-              <a:t> </a:t>
-            </a:r>
-            <a:r>
-              <a:rPr lang="en-US" sz="1200" dirty="0">
-                <a:solidFill>
-                  <a:schemeClr val="accent1">
-                    <a:lumMod val="20000"/>
-                    <a:lumOff val="80000"/>
-                  </a:schemeClr>
-                </a:solidFill>
-              </a:rPr>
-              <a:t>Memo </a:t>
+              <a:rPr lang="en-US" sz="1200" dirty="0">
+                <a:solidFill>
+                  <a:schemeClr val="accent1">
+                    <a:lumMod val="20000"/>
+                    <a:lumOff val="80000"/>
+                  </a:schemeClr>
+                </a:solidFill>
+              </a:rPr>
+              <a:t> Memo </a:t>
             </a:r>
             <a:r>
               <a:rPr lang="en-US" sz="1200" dirty="0" err="1">
@@ -7939,7 +7716,7 @@
               <a:t> NOC </a:t>
             </a:r>
             <a:r>
-              <a:rPr lang="en-US" sz="1200" dirty="0" err="1" smtClean="0">
+              <a:rPr lang="en-US" sz="1200" dirty="0" err="1">
                 <a:solidFill>
                   <a:schemeClr val="accent1">
                     <a:lumMod val="20000"/>
@@ -7950,7 +7727,7 @@
               <a:t>MyProjek</a:t>
             </a:r>
             <a:r>
-              <a:rPr lang="en-US" sz="1200" dirty="0" smtClean="0">
+              <a:rPr lang="en-US" sz="1200" dirty="0">
                 <a:solidFill>
                   <a:schemeClr val="accent1">
                     <a:lumMod val="20000"/>
@@ -8210,7 +7987,7 @@
               <a:buAutoNum type="arabicParenR"/>
             </a:pPr>
             <a:r>
-              <a:rPr lang="en-US" sz="1200" dirty="0" err="1" smtClean="0">
+              <a:rPr lang="en-US" sz="1200" dirty="0" err="1">
                 <a:solidFill>
                   <a:schemeClr val="accent1">
                     <a:lumMod val="20000"/>
@@ -8221,7 +7998,7 @@
               <a:t>Sedia</a:t>
             </a:r>
             <a:r>
-              <a:rPr lang="en-US" sz="1200" strike="sngStrike" dirty="0" err="1" smtClean="0">
+              <a:rPr lang="en-US" sz="1200" strike="sngStrike" dirty="0" err="1">
                 <a:solidFill>
                   <a:schemeClr val="accent1">
                     <a:lumMod val="20000"/>
@@ -8232,26 +8009,15 @@
               <a:t>kan</a:t>
             </a:r>
             <a:r>
-              <a:rPr lang="en-US" sz="1200" dirty="0" smtClean="0">
-                <a:solidFill>
-                  <a:schemeClr val="accent1">
-                    <a:lumMod val="20000"/>
-                    <a:lumOff val="80000"/>
-                  </a:schemeClr>
-                </a:solidFill>
-              </a:rPr>
-              <a:t> </a:t>
-            </a:r>
-            <a:r>
-              <a:rPr lang="en-US" sz="1200" dirty="0">
-                <a:solidFill>
-                  <a:schemeClr val="accent1">
-                    <a:lumMod val="20000"/>
-                    <a:lumOff val="80000"/>
-                  </a:schemeClr>
-                </a:solidFill>
-              </a:rPr>
-              <a:t>Memo </a:t>
+              <a:rPr lang="en-US" sz="1200" dirty="0">
+                <a:solidFill>
+                  <a:schemeClr val="accent1">
+                    <a:lumMod val="20000"/>
+                    <a:lumOff val="80000"/>
+                  </a:schemeClr>
+                </a:solidFill>
+              </a:rPr>
+              <a:t> Memo </a:t>
             </a:r>
             <a:r>
               <a:rPr lang="en-US" sz="1200" dirty="0" err="1">
@@ -8542,6 +8308,182 @@
     <p:extLst>
       <p:ext uri="{BB962C8B-B14F-4D97-AF65-F5344CB8AC3E}">
         <p14:creationId xmlns:p14="http://schemas.microsoft.com/office/powerpoint/2010/main" val="3228201088"/>
+      </p:ext>
+    </p:extLst>
+  </p:cSld>
+  <p:clrMapOvr>
+    <a:masterClrMapping/>
+  </p:clrMapOvr>
+</p:sld>
+</file>
+
+<file path=ppt/slides/slide2.xml><?xml version="1.0" encoding="utf-8"?>
+<p:sld xmlns:a="http://schemas.openxmlformats.org/drawingml/2006/main" xmlns:r="http://schemas.openxmlformats.org/officeDocument/2006/relationships" xmlns:p="http://schemas.openxmlformats.org/presentationml/2006/main">
+  <p:cSld>
+    <p:spTree>
+      <p:nvGrpSpPr>
+        <p:cNvPr id="1" name=""/>
+        <p:cNvGrpSpPr/>
+        <p:nvPr/>
+      </p:nvGrpSpPr>
+      <p:grpSpPr>
+        <a:xfrm>
+          <a:off x="0" y="0"/>
+          <a:ext cx="0" cy="0"/>
+          <a:chOff x="0" y="0"/>
+          <a:chExt cx="0" cy="0"/>
+        </a:xfrm>
+      </p:grpSpPr>
+      <p:graphicFrame>
+        <p:nvGraphicFramePr>
+          <p:cNvPr id="4" name="Table 3">
+            <a:extLst>
+              <a:ext uri="{FF2B5EF4-FFF2-40B4-BE49-F238E27FC236}">
+                <a16:creationId xmlns:a16="http://schemas.microsoft.com/office/drawing/2014/main" id="{A6B5BC88-396E-41F3-B399-2D172E6C810A}"/>
+              </a:ext>
+            </a:extLst>
+          </p:cNvPr>
+          <p:cNvGraphicFramePr>
+            <a:graphicFrameLocks noGrp="1"/>
+          </p:cNvGraphicFramePr>
+          <p:nvPr>
+            <p:extLst>
+              <p:ext uri="{D42A27DB-BD31-4B8C-83A1-F6EECF244321}">
+                <p14:modId xmlns:p14="http://schemas.microsoft.com/office/powerpoint/2010/main" val="80448751"/>
+              </p:ext>
+            </p:extLst>
+          </p:nvPr>
+        </p:nvGraphicFramePr>
+        <p:xfrm>
+          <a:off x="143043" y="166212"/>
+          <a:ext cx="11900568" cy="3594772"/>
+        </p:xfrm>
+        <a:graphic>
+          <a:graphicData uri="http://schemas.openxmlformats.org/drawingml/2006/table">
+            <a:tbl>
+              <a:tblPr firstRow="1" bandRow="1">
+                <a:tableStyleId>{5940675A-B579-460E-94D1-54222C63F5DA}</a:tableStyleId>
+              </a:tblPr>
+              <a:tblGrid>
+                <a:gridCol w="3966856">
+                  <a:extLst>
+                    <a:ext uri="{9D8B030D-6E8A-4147-A177-3AD203B41FA5}">
+                      <a16:colId xmlns:a16="http://schemas.microsoft.com/office/drawing/2014/main" val="3481269990"/>
+                    </a:ext>
+                  </a:extLst>
+                </a:gridCol>
+                <a:gridCol w="3966856">
+                  <a:extLst>
+                    <a:ext uri="{9D8B030D-6E8A-4147-A177-3AD203B41FA5}">
+                      <a16:colId xmlns:a16="http://schemas.microsoft.com/office/drawing/2014/main" val="2027915022"/>
+                    </a:ext>
+                  </a:extLst>
+                </a:gridCol>
+                <a:gridCol w="3966856">
+                  <a:extLst>
+                    <a:ext uri="{9D8B030D-6E8A-4147-A177-3AD203B41FA5}">
+                      <a16:colId xmlns:a16="http://schemas.microsoft.com/office/drawing/2014/main" val="67991783"/>
+                    </a:ext>
+                  </a:extLst>
+                </a:gridCol>
+              </a:tblGrid>
+              <a:tr h="447399">
+                <a:tc>
+                  <a:txBody>
+                    <a:bodyPr/>
+                    <a:lstStyle/>
+                    <a:p>
+                      <a:pPr algn="ctr"/>
+                      <a:r>
+                        <a:rPr lang="en-US" dirty="0"/>
+                        <a:t>FLOW1</a:t>
+                      </a:r>
+                      <a:endParaRPr lang="en-MY" dirty="0"/>
+                    </a:p>
+                  </a:txBody>
+                  <a:tcPr anchor="ctr"/>
+                </a:tc>
+                <a:tc>
+                  <a:txBody>
+                    <a:bodyPr/>
+                    <a:lstStyle/>
+                    <a:p>
+                      <a:pPr algn="ctr"/>
+                      <a:r>
+                        <a:rPr lang="en-US" dirty="0"/>
+                        <a:t>FLOW2</a:t>
+                      </a:r>
+                      <a:endParaRPr lang="en-MY" dirty="0"/>
+                    </a:p>
+                  </a:txBody>
+                  <a:tcPr anchor="ctr"/>
+                </a:tc>
+                <a:tc>
+                  <a:txBody>
+                    <a:bodyPr/>
+                    <a:lstStyle/>
+                    <a:p>
+                      <a:pPr algn="ctr"/>
+                      <a:r>
+                        <a:rPr lang="en-US" dirty="0"/>
+                        <a:t>FLOW3</a:t>
+                      </a:r>
+                      <a:endParaRPr lang="en-MY" dirty="0"/>
+                    </a:p>
+                  </a:txBody>
+                  <a:tcPr anchor="ctr"/>
+                </a:tc>
+                <a:extLst>
+                  <a:ext uri="{0D108BD9-81ED-4DB2-BD59-A6C34878D82A}">
+                    <a16:rowId xmlns:a16="http://schemas.microsoft.com/office/drawing/2014/main" val="1622355998"/>
+                  </a:ext>
+                </a:extLst>
+              </a:tr>
+              <a:tr h="3147373">
+                <a:tc>
+                  <a:txBody>
+                    <a:bodyPr/>
+                    <a:lstStyle/>
+                    <a:p>
+                      <a:endParaRPr lang="en-MY" dirty="0"/>
+                    </a:p>
+                  </a:txBody>
+                  <a:tcPr/>
+                </a:tc>
+                <a:tc>
+                  <a:txBody>
+                    <a:bodyPr/>
+                    <a:lstStyle/>
+                    <a:p>
+                      <a:endParaRPr lang="en-MY" dirty="0"/>
+                    </a:p>
+                  </a:txBody>
+                  <a:tcPr/>
+                </a:tc>
+                <a:tc>
+                  <a:txBody>
+                    <a:bodyPr/>
+                    <a:lstStyle/>
+                    <a:p>
+                      <a:endParaRPr lang="en-MY" dirty="0"/>
+                    </a:p>
+                  </a:txBody>
+                  <a:tcPr/>
+                </a:tc>
+                <a:extLst>
+                  <a:ext uri="{0D108BD9-81ED-4DB2-BD59-A6C34878D82A}">
+                    <a16:rowId xmlns:a16="http://schemas.microsoft.com/office/drawing/2014/main" val="1967444692"/>
+                  </a:ext>
+                </a:extLst>
+              </a:tr>
+            </a:tbl>
+          </a:graphicData>
+        </a:graphic>
+      </p:graphicFrame>
+    </p:spTree>
+    <p:extLst>
+      <p:ext uri="{BB962C8B-B14F-4D97-AF65-F5344CB8AC3E}">
+        <p14:creationId xmlns:p14="http://schemas.microsoft.com/office/powerpoint/2010/main" val="3473304371"/>
       </p:ext>
     </p:extLst>
   </p:cSld>
